--- a/SEMESTER -5/FUNDAMENTALS OF MANAGEMENT FOR ENGINEERS MGT-132/MGT-GAME.pptx
+++ b/SEMESTER -5/FUNDAMENTALS OF MANAGEMENT FOR ENGINEERS MGT-132/MGT-GAME.pptx
@@ -5,117 +5,118 @@
     <p:sldMasterId id="2147483648" r:id="rId1"/>
   </p:sldMasterIdLst>
   <p:notesMasterIdLst>
-    <p:notesMasterId r:id="rId111"/>
+    <p:notesMasterId r:id="rId112"/>
   </p:notesMasterIdLst>
   <p:sldIdLst>
     <p:sldId id="256" r:id="rId3"/>
     <p:sldId id="362" r:id="rId4"/>
     <p:sldId id="363" r:id="rId5"/>
-    <p:sldId id="364" r:id="rId6"/>
-    <p:sldId id="359" r:id="rId7"/>
-    <p:sldId id="257" r:id="rId8"/>
-    <p:sldId id="258" r:id="rId9"/>
-    <p:sldId id="360" r:id="rId10"/>
-    <p:sldId id="358" r:id="rId11"/>
-    <p:sldId id="259" r:id="rId12"/>
-    <p:sldId id="260" r:id="rId13"/>
-    <p:sldId id="261" r:id="rId14"/>
-    <p:sldId id="262" r:id="rId15"/>
-    <p:sldId id="263" r:id="rId16"/>
-    <p:sldId id="264" r:id="rId17"/>
-    <p:sldId id="265" r:id="rId18"/>
-    <p:sldId id="266" r:id="rId19"/>
-    <p:sldId id="267" r:id="rId20"/>
-    <p:sldId id="268" r:id="rId21"/>
-    <p:sldId id="269" r:id="rId22"/>
-    <p:sldId id="270" r:id="rId23"/>
-    <p:sldId id="271" r:id="rId24"/>
-    <p:sldId id="272" r:id="rId25"/>
-    <p:sldId id="273" r:id="rId26"/>
-    <p:sldId id="274" r:id="rId27"/>
-    <p:sldId id="275" r:id="rId28"/>
-    <p:sldId id="276" r:id="rId29"/>
-    <p:sldId id="277" r:id="rId30"/>
-    <p:sldId id="278" r:id="rId31"/>
-    <p:sldId id="279" r:id="rId32"/>
-    <p:sldId id="280" r:id="rId33"/>
-    <p:sldId id="281" r:id="rId34"/>
-    <p:sldId id="282" r:id="rId35"/>
-    <p:sldId id="283" r:id="rId36"/>
-    <p:sldId id="284" r:id="rId37"/>
-    <p:sldId id="285" r:id="rId38"/>
-    <p:sldId id="286" r:id="rId39"/>
-    <p:sldId id="287" r:id="rId40"/>
-    <p:sldId id="288" r:id="rId41"/>
-    <p:sldId id="289" r:id="rId42"/>
-    <p:sldId id="290" r:id="rId43"/>
-    <p:sldId id="291" r:id="rId44"/>
-    <p:sldId id="292" r:id="rId45"/>
-    <p:sldId id="293" r:id="rId46"/>
-    <p:sldId id="294" r:id="rId47"/>
-    <p:sldId id="295" r:id="rId48"/>
-    <p:sldId id="296" r:id="rId49"/>
-    <p:sldId id="297" r:id="rId50"/>
-    <p:sldId id="298" r:id="rId51"/>
-    <p:sldId id="299" r:id="rId52"/>
-    <p:sldId id="300" r:id="rId53"/>
-    <p:sldId id="301" r:id="rId54"/>
-    <p:sldId id="302" r:id="rId55"/>
-    <p:sldId id="303" r:id="rId56"/>
-    <p:sldId id="304" r:id="rId57"/>
-    <p:sldId id="305" r:id="rId58"/>
-    <p:sldId id="306" r:id="rId59"/>
-    <p:sldId id="307" r:id="rId60"/>
-    <p:sldId id="308" r:id="rId61"/>
-    <p:sldId id="309" r:id="rId62"/>
-    <p:sldId id="310" r:id="rId63"/>
-    <p:sldId id="311" r:id="rId64"/>
-    <p:sldId id="312" r:id="rId65"/>
-    <p:sldId id="313" r:id="rId66"/>
-    <p:sldId id="314" r:id="rId67"/>
-    <p:sldId id="315" r:id="rId68"/>
-    <p:sldId id="316" r:id="rId69"/>
-    <p:sldId id="317" r:id="rId70"/>
-    <p:sldId id="318" r:id="rId71"/>
-    <p:sldId id="319" r:id="rId72"/>
-    <p:sldId id="320" r:id="rId73"/>
-    <p:sldId id="321" r:id="rId74"/>
-    <p:sldId id="322" r:id="rId75"/>
-    <p:sldId id="323" r:id="rId76"/>
-    <p:sldId id="324" r:id="rId77"/>
-    <p:sldId id="325" r:id="rId78"/>
-    <p:sldId id="326" r:id="rId79"/>
-    <p:sldId id="327" r:id="rId80"/>
-    <p:sldId id="328" r:id="rId81"/>
-    <p:sldId id="329" r:id="rId82"/>
-    <p:sldId id="330" r:id="rId83"/>
-    <p:sldId id="331" r:id="rId84"/>
-    <p:sldId id="332" r:id="rId85"/>
-    <p:sldId id="333" r:id="rId86"/>
-    <p:sldId id="334" r:id="rId87"/>
-    <p:sldId id="335" r:id="rId88"/>
-    <p:sldId id="336" r:id="rId89"/>
-    <p:sldId id="337" r:id="rId90"/>
-    <p:sldId id="338" r:id="rId91"/>
-    <p:sldId id="339" r:id="rId92"/>
-    <p:sldId id="340" r:id="rId93"/>
-    <p:sldId id="341" r:id="rId94"/>
-    <p:sldId id="342" r:id="rId95"/>
-    <p:sldId id="343" r:id="rId96"/>
-    <p:sldId id="344" r:id="rId97"/>
-    <p:sldId id="345" r:id="rId98"/>
-    <p:sldId id="346" r:id="rId99"/>
-    <p:sldId id="347" r:id="rId100"/>
-    <p:sldId id="348" r:id="rId101"/>
-    <p:sldId id="349" r:id="rId102"/>
-    <p:sldId id="350" r:id="rId103"/>
-    <p:sldId id="351" r:id="rId104"/>
-    <p:sldId id="352" r:id="rId105"/>
-    <p:sldId id="353" r:id="rId106"/>
-    <p:sldId id="354" r:id="rId107"/>
-    <p:sldId id="355" r:id="rId108"/>
-    <p:sldId id="365" r:id="rId109"/>
-    <p:sldId id="356" r:id="rId110"/>
+    <p:sldId id="469" r:id="rId6"/>
+    <p:sldId id="364" r:id="rId7"/>
+    <p:sldId id="359" r:id="rId8"/>
+    <p:sldId id="257" r:id="rId9"/>
+    <p:sldId id="258" r:id="rId10"/>
+    <p:sldId id="360" r:id="rId11"/>
+    <p:sldId id="358" r:id="rId12"/>
+    <p:sldId id="259" r:id="rId13"/>
+    <p:sldId id="260" r:id="rId14"/>
+    <p:sldId id="261" r:id="rId15"/>
+    <p:sldId id="262" r:id="rId16"/>
+    <p:sldId id="263" r:id="rId17"/>
+    <p:sldId id="264" r:id="rId18"/>
+    <p:sldId id="265" r:id="rId19"/>
+    <p:sldId id="266" r:id="rId20"/>
+    <p:sldId id="267" r:id="rId21"/>
+    <p:sldId id="268" r:id="rId22"/>
+    <p:sldId id="269" r:id="rId23"/>
+    <p:sldId id="270" r:id="rId24"/>
+    <p:sldId id="271" r:id="rId25"/>
+    <p:sldId id="272" r:id="rId26"/>
+    <p:sldId id="273" r:id="rId27"/>
+    <p:sldId id="274" r:id="rId28"/>
+    <p:sldId id="275" r:id="rId29"/>
+    <p:sldId id="276" r:id="rId30"/>
+    <p:sldId id="277" r:id="rId31"/>
+    <p:sldId id="278" r:id="rId32"/>
+    <p:sldId id="279" r:id="rId33"/>
+    <p:sldId id="280" r:id="rId34"/>
+    <p:sldId id="281" r:id="rId35"/>
+    <p:sldId id="282" r:id="rId36"/>
+    <p:sldId id="283" r:id="rId37"/>
+    <p:sldId id="284" r:id="rId38"/>
+    <p:sldId id="285" r:id="rId39"/>
+    <p:sldId id="286" r:id="rId40"/>
+    <p:sldId id="287" r:id="rId41"/>
+    <p:sldId id="288" r:id="rId42"/>
+    <p:sldId id="289" r:id="rId43"/>
+    <p:sldId id="290" r:id="rId44"/>
+    <p:sldId id="291" r:id="rId45"/>
+    <p:sldId id="292" r:id="rId46"/>
+    <p:sldId id="293" r:id="rId47"/>
+    <p:sldId id="294" r:id="rId48"/>
+    <p:sldId id="295" r:id="rId49"/>
+    <p:sldId id="296" r:id="rId50"/>
+    <p:sldId id="297" r:id="rId51"/>
+    <p:sldId id="298" r:id="rId52"/>
+    <p:sldId id="299" r:id="rId53"/>
+    <p:sldId id="300" r:id="rId54"/>
+    <p:sldId id="301" r:id="rId55"/>
+    <p:sldId id="302" r:id="rId56"/>
+    <p:sldId id="303" r:id="rId57"/>
+    <p:sldId id="304" r:id="rId58"/>
+    <p:sldId id="305" r:id="rId59"/>
+    <p:sldId id="306" r:id="rId60"/>
+    <p:sldId id="307" r:id="rId61"/>
+    <p:sldId id="308" r:id="rId62"/>
+    <p:sldId id="309" r:id="rId63"/>
+    <p:sldId id="310" r:id="rId64"/>
+    <p:sldId id="311" r:id="rId65"/>
+    <p:sldId id="312" r:id="rId66"/>
+    <p:sldId id="313" r:id="rId67"/>
+    <p:sldId id="314" r:id="rId68"/>
+    <p:sldId id="315" r:id="rId69"/>
+    <p:sldId id="316" r:id="rId70"/>
+    <p:sldId id="317" r:id="rId71"/>
+    <p:sldId id="318" r:id="rId72"/>
+    <p:sldId id="319" r:id="rId73"/>
+    <p:sldId id="320" r:id="rId74"/>
+    <p:sldId id="321" r:id="rId75"/>
+    <p:sldId id="322" r:id="rId76"/>
+    <p:sldId id="323" r:id="rId77"/>
+    <p:sldId id="324" r:id="rId78"/>
+    <p:sldId id="325" r:id="rId79"/>
+    <p:sldId id="326" r:id="rId80"/>
+    <p:sldId id="327" r:id="rId81"/>
+    <p:sldId id="328" r:id="rId82"/>
+    <p:sldId id="329" r:id="rId83"/>
+    <p:sldId id="330" r:id="rId84"/>
+    <p:sldId id="331" r:id="rId85"/>
+    <p:sldId id="332" r:id="rId86"/>
+    <p:sldId id="333" r:id="rId87"/>
+    <p:sldId id="334" r:id="rId88"/>
+    <p:sldId id="335" r:id="rId89"/>
+    <p:sldId id="336" r:id="rId90"/>
+    <p:sldId id="337" r:id="rId91"/>
+    <p:sldId id="338" r:id="rId92"/>
+    <p:sldId id="339" r:id="rId93"/>
+    <p:sldId id="340" r:id="rId94"/>
+    <p:sldId id="341" r:id="rId95"/>
+    <p:sldId id="342" r:id="rId96"/>
+    <p:sldId id="343" r:id="rId97"/>
+    <p:sldId id="344" r:id="rId98"/>
+    <p:sldId id="345" r:id="rId99"/>
+    <p:sldId id="346" r:id="rId100"/>
+    <p:sldId id="347" r:id="rId101"/>
+    <p:sldId id="348" r:id="rId102"/>
+    <p:sldId id="349" r:id="rId103"/>
+    <p:sldId id="350" r:id="rId104"/>
+    <p:sldId id="351" r:id="rId105"/>
+    <p:sldId id="352" r:id="rId106"/>
+    <p:sldId id="353" r:id="rId107"/>
+    <p:sldId id="354" r:id="rId108"/>
+    <p:sldId id="355" r:id="rId109"/>
+    <p:sldId id="365" r:id="rId110"/>
+    <p:sldId id="356" r:id="rId111"/>
   </p:sldIdLst>
   <p:sldSz cx="12192000" cy="6858000"/>
   <p:notesSz cx="6858000" cy="9144000"/>
@@ -17493,7 +17494,7 @@
           <a:p>
             <a:r>
               <a:rPr lang="en-US"/>
-              <a:t>This person starts a business.</a:t>
+              <a:t> Making a plan for money.</a:t>
             </a:r>
             <a:endParaRPr lang="en-US"/>
           </a:p>
@@ -17551,7 +17552,7 @@
           <a:p>
             <a:r>
               <a:rPr lang="en-US"/>
-              <a:t>The study of managing workers.</a:t>
+              <a:t> When a business stops making profits.</a:t>
             </a:r>
             <a:endParaRPr lang="en-US"/>
           </a:p>
@@ -17609,7 +17610,7 @@
           <a:p>
             <a:r>
               <a:rPr lang="en-US"/>
-              <a:t>Producing goods by machines in factories.</a:t>
+              <a:t>The study of managing workers.</a:t>
             </a:r>
             <a:endParaRPr lang="en-US"/>
           </a:p>
@@ -17667,7 +17668,7 @@
           <a:p>
             <a:r>
               <a:rPr lang="en-US"/>
-              <a:t>A business’s core beliefs and goals.</a:t>
+              <a:t>Producing goods by machines in factories.</a:t>
             </a:r>
             <a:endParaRPr lang="en-US"/>
           </a:p>
@@ -17725,7 +17726,7 @@
           <a:p>
             <a:r>
               <a:rPr lang="en-US"/>
-              <a:t> Working from a different location, often at home.</a:t>
+              <a:t>A business’s core beliefs and goals.</a:t>
             </a:r>
             <a:endParaRPr lang="en-US"/>
           </a:p>
@@ -17783,7 +17784,7 @@
           <a:p>
             <a:r>
               <a:rPr lang="en-US"/>
-              <a:t> A person responsible for a specific department.</a:t>
+              <a:t> Working from a different location, often at home.</a:t>
             </a:r>
             <a:endParaRPr lang="en-US"/>
           </a:p>
@@ -17821,45 +17822,29 @@
         <p:txBody>
           <a:bodyPr/>
           <a:p>
+            <a:endParaRPr lang="en-US"/>
+          </a:p>
+        </p:txBody>
+      </p:sp>
+      <p:sp>
+        <p:nvSpPr>
+          <p:cNvPr id="3" name="Content Placeholder 2"/>
+          <p:cNvSpPr>
+            <a:spLocks noGrp="1"/>
+          </p:cNvSpPr>
+          <p:nvPr>
+            <p:ph idx="1"/>
+          </p:nvPr>
+        </p:nvSpPr>
+        <p:spPr/>
+        <p:txBody>
+          <a:bodyPr/>
+          <a:p>
             <a:r>
               <a:rPr lang="en-US"/>
-              <a:t> </a:t>
+              <a:t> A person responsible for a specific department.</a:t>
             </a:r>
             <a:endParaRPr lang="en-US"/>
-          </a:p>
-        </p:txBody>
-      </p:sp>
-      <p:sp>
-        <p:nvSpPr>
-          <p:cNvPr id="3" name="Content Placeholder 2"/>
-          <p:cNvSpPr>
-            <a:spLocks noGrp="1"/>
-          </p:cNvSpPr>
-          <p:nvPr>
-            <p:ph idx="1"/>
-          </p:nvPr>
-        </p:nvSpPr>
-        <p:spPr>
-          <a:xfrm>
-            <a:off x="609600" y="673735"/>
-            <a:ext cx="10972800" cy="4525963"/>
-          </a:xfrm>
-        </p:spPr>
-        <p:txBody>
-          <a:bodyPr/>
-          <a:p>
-            <a:r>
-              <a:rPr lang="en-US" b="1"/>
-              <a:t>Supervisor, Contract, Advertising, Strategy, Warehouse, Salary, Innovation, Globalization, Efficiency, Leadership, Team, Budget, Distribution, Reserve, Customer support, Collaboration,</a:t>
-            </a:r>
-            <a:endParaRPr lang="en-US" b="1"/>
-          </a:p>
-          <a:p>
-            <a:r>
-              <a:rPr lang="en-US" b="1"/>
-              <a:t> E-commerce, Market capitalization, Freelance, Target market, Return, Profit, IPO, Entrepreneur, Outsourcing, Investment, Production, Interest, Consultant, Marketing, Discount, Consumer, Brand, Decision-making, Factory, Credit, CEO, Consulting, Accounting, Client, Liability, Multinational, Planning, Data analysis, Trade, Export, Insurance, Manager, Capacity, Human resources, Balance sheet.</a:t>
-            </a:r>
-            <a:endParaRPr lang="en-US" b="1"/>
           </a:p>
         </p:txBody>
       </p:sp>
@@ -17915,7 +17900,7 @@
         </p:nvSpPr>
         <p:spPr>
           <a:xfrm>
-            <a:off x="511810" y="647065"/>
+            <a:off x="609600" y="673735"/>
             <a:ext cx="10972800" cy="4525963"/>
           </a:xfrm>
         </p:spPr>
@@ -17924,7 +17909,14 @@
           <a:p>
             <a:r>
               <a:rPr lang="en-US" b="1"/>
-              <a:t>Service, Expansion, Shareholders, Product, Performance, Compliance, Upgrade, Vision statement, Merger, Recruitment, Multitasking, Office, Differentiation, Policy, Manufacturing, Benchmarking, Promotion, Stock exchange, Return, Loss, Innovation, Annual report, Quality control, Staffing, Multinational, Dividend, Multinational, Remote work, Expansion, Warehouse, Business plan, IPO, Risk, Factory, Branding, Efficiency, Teamwork, Strategy, Marketing, Consulting, Consumer, Investment, Contract, Outsourcing, Collaboration, Export, Planning, CEO, Insurance.</a:t>
+              <a:t>Supervisor, Contract, Advertising, Strategy, Warehouse, Salary, Innovation, Globalization, Efficiency, Leadership, Team, Budget, Distribution, Reserve, Customer support, Collaboration,</a:t>
+            </a:r>
+            <a:endParaRPr lang="en-US" b="1"/>
+          </a:p>
+          <a:p>
+            <a:r>
+              <a:rPr lang="en-US" b="1"/>
+              <a:t> E-commerce, Market capitalization, Freelance, Target market, Return, Profit, IPO, Entrepreneur, Outsourcing, Investment, Production, Interest, Consultant, Marketing, Discount, Consumer, Brand, Decision-making, Factory, Credit, CEO, Consulting, Accounting, Client, Liability, Multinational, Planning, Data analysis, Trade, Export, Insurance, Manager, Capacity, Human resources, Balance sheet.</a:t>
             </a:r>
             <a:endParaRPr lang="en-US" b="1"/>
           </a:p>
@@ -17939,6 +17931,73 @@
 </file>
 
 <file path=ppt/slides/slide107.xml><?xml version="1.0" encoding="utf-8"?>
+<p:sld xmlns:a="http://schemas.openxmlformats.org/drawingml/2006/main" xmlns:r="http://schemas.openxmlformats.org/officeDocument/2006/relationships" xmlns:p="http://schemas.openxmlformats.org/presentationml/2006/main">
+  <p:cSld>
+    <p:spTree>
+      <p:nvGrpSpPr>
+        <p:cNvPr id="1" name=""/>
+        <p:cNvGrpSpPr/>
+        <p:nvPr/>
+      </p:nvGrpSpPr>
+      <p:grpSpPr/>
+      <p:sp>
+        <p:nvSpPr>
+          <p:cNvPr id="2" name="Title 1"/>
+          <p:cNvSpPr>
+            <a:spLocks noGrp="1"/>
+          </p:cNvSpPr>
+          <p:nvPr>
+            <p:ph type="title"/>
+          </p:nvPr>
+        </p:nvSpPr>
+        <p:spPr/>
+        <p:txBody>
+          <a:bodyPr/>
+          <a:p>
+            <a:r>
+              <a:rPr lang="en-US"/>
+              <a:t> </a:t>
+            </a:r>
+            <a:endParaRPr lang="en-US"/>
+          </a:p>
+        </p:txBody>
+      </p:sp>
+      <p:sp>
+        <p:nvSpPr>
+          <p:cNvPr id="3" name="Content Placeholder 2"/>
+          <p:cNvSpPr>
+            <a:spLocks noGrp="1"/>
+          </p:cNvSpPr>
+          <p:nvPr>
+            <p:ph idx="1"/>
+          </p:nvPr>
+        </p:nvSpPr>
+        <p:spPr>
+          <a:xfrm>
+            <a:off x="511810" y="647065"/>
+            <a:ext cx="10972800" cy="4525963"/>
+          </a:xfrm>
+        </p:spPr>
+        <p:txBody>
+          <a:bodyPr/>
+          <a:p>
+            <a:r>
+              <a:rPr lang="en-US" b="1"/>
+              <a:t>Service, Expansion, Shareholders, Product, Performance, Compliance, Upgrade, Vision statement, Merger, Recruitment, Multitasking, Office, Differentiation, Policy, Manufacturing, Benchmarking, Promotion, Stock exchange, Return, Loss, Innovation, Annual report, Quality control, Staffing, Multinational, Dividend, Multinational, Remote work, Expansion, Warehouse, Business plan, IPO, Risk, Factory, Branding, Efficiency, Teamwork, Strategy, Marketing, Consulting, Consumer, Investment, Contract, Outsourcing, Collaboration, Export, Planning, CEO, Insurance.</a:t>
+            </a:r>
+            <a:endParaRPr lang="en-US" b="1"/>
+          </a:p>
+        </p:txBody>
+      </p:sp>
+    </p:spTree>
+  </p:cSld>
+  <p:clrMapOvr>
+    <a:masterClrMapping/>
+  </p:clrMapOvr>
+</p:sld>
+</file>
+
+<file path=ppt/slides/slide108.xml><?xml version="1.0" encoding="utf-8"?>
 <p:sld xmlns:a="http://schemas.openxmlformats.org/drawingml/2006/main" xmlns:r="http://schemas.openxmlformats.org/officeDocument/2006/relationships" xmlns:p="http://schemas.openxmlformats.org/presentationml/2006/main">
   <p:cSld>
     <p:spTree>
@@ -18121,7 +18180,7 @@
 </p:sld>
 </file>
 
-<file path=ppt/slides/slide108.xml><?xml version="1.0" encoding="utf-8"?>
+<file path=ppt/slides/slide109.xml><?xml version="1.0" encoding="utf-8"?>
 <p:sld xmlns:a="http://schemas.openxmlformats.org/drawingml/2006/main" xmlns:r="http://schemas.openxmlformats.org/officeDocument/2006/relationships" xmlns:p="http://schemas.openxmlformats.org/presentationml/2006/main" showMasterSp="0">
   <p:cSld>
     <p:bg>
@@ -18265,7 +18324,7 @@
           <a:p>
             <a:r>
               <a:rPr lang="en-US"/>
-              <a:t> Bringing a new idea to market.</a:t>
+              <a:t>This person starts a business.</a:t>
             </a:r>
             <a:endParaRPr lang="en-US"/>
           </a:p>
@@ -18323,7 +18382,7 @@
           <a:p>
             <a:r>
               <a:rPr lang="en-US"/>
-              <a:t> A place where business is done.</a:t>
+              <a:t> Bringing a new idea to market.</a:t>
             </a:r>
             <a:endParaRPr lang="en-US"/>
           </a:p>
@@ -18381,7 +18440,7 @@
           <a:p>
             <a:r>
               <a:rPr lang="en-US"/>
-              <a:t>A financial reward for work.</a:t>
+              <a:t> A place where business is done.</a:t>
             </a:r>
             <a:endParaRPr lang="en-US"/>
           </a:p>
@@ -18439,7 +18498,7 @@
           <a:p>
             <a:r>
               <a:rPr lang="en-US"/>
-              <a:t> The difference between revenue and costs.</a:t>
+              <a:t>A financial reward for work.</a:t>
             </a:r>
             <a:endParaRPr lang="en-US"/>
           </a:p>
@@ -18497,7 +18556,7 @@
           <a:p>
             <a:r>
               <a:rPr lang="en-US"/>
-              <a:t>Making things in large amounts.</a:t>
+              <a:t> The difference between revenue and costs.</a:t>
             </a:r>
             <a:endParaRPr lang="en-US"/>
           </a:p>
@@ -18555,7 +18614,7 @@
           <a:p>
             <a:r>
               <a:rPr lang="en-US"/>
-              <a:t>Selling something online.</a:t>
+              <a:t>Making things in large amounts.</a:t>
             </a:r>
             <a:endParaRPr lang="en-US"/>
           </a:p>
@@ -18613,7 +18672,7 @@
           <a:p>
             <a:r>
               <a:rPr lang="en-US"/>
-              <a:t>A person who buys products.</a:t>
+              <a:t>Selling something online.</a:t>
             </a:r>
             <a:endParaRPr lang="en-US"/>
           </a:p>
@@ -18671,7 +18730,7 @@
           <a:p>
             <a:r>
               <a:rPr lang="en-US"/>
-              <a:t> A plan to sell products.</a:t>
+              <a:t>A person who buys products.</a:t>
             </a:r>
             <a:endParaRPr lang="en-US"/>
           </a:p>
@@ -18729,7 +18788,7 @@
           <a:p>
             <a:r>
               <a:rPr lang="en-US"/>
-              <a:t>Taking a risk with money to grow it.</a:t>
+              <a:t> A plan to sell products.</a:t>
             </a:r>
             <a:endParaRPr lang="en-US"/>
           </a:p>
@@ -18916,7 +18975,7 @@
           <a:p>
             <a:r>
               <a:rPr lang="en-US"/>
-              <a:t> Finding the right person for a job.</a:t>
+              <a:t>Taking a risk with money to grow it.</a:t>
             </a:r>
             <a:endParaRPr lang="en-US"/>
           </a:p>
@@ -18974,7 +19033,7 @@
           <a:p>
             <a:r>
               <a:rPr lang="en-US"/>
-              <a:t>Something you owe to someone.</a:t>
+              <a:t> Finding the right person for a job.</a:t>
             </a:r>
             <a:endParaRPr lang="en-US"/>
           </a:p>
@@ -19032,7 +19091,7 @@
           <a:p>
             <a:r>
               <a:rPr lang="en-US"/>
-              <a:t>Someone who buys from you regularly.</a:t>
+              <a:t>Something you owe to someone.</a:t>
             </a:r>
             <a:endParaRPr lang="en-US"/>
           </a:p>
@@ -19090,7 +19149,7 @@
           <a:p>
             <a:r>
               <a:rPr lang="en-US"/>
-              <a:t>Money owed by a company.</a:t>
+              <a:t>Someone who buys from you regularly.</a:t>
             </a:r>
             <a:endParaRPr lang="en-US"/>
           </a:p>
@@ -19148,7 +19207,7 @@
           <a:p>
             <a:r>
               <a:rPr lang="en-US"/>
-              <a:t>Reducing the cost of something.</a:t>
+              <a:t>Money owed by a company.</a:t>
             </a:r>
             <a:endParaRPr lang="en-US"/>
           </a:p>
@@ -19206,7 +19265,7 @@
           <a:p>
             <a:r>
               <a:rPr lang="en-US"/>
-              <a:t>Checking the quality of products.</a:t>
+              <a:t>Reducing the cost of something.</a:t>
             </a:r>
             <a:endParaRPr lang="en-US"/>
           </a:p>
@@ -19264,7 +19323,7 @@
           <a:p>
             <a:r>
               <a:rPr lang="en-US"/>
-              <a:t>Helping a business improve its performance.</a:t>
+              <a:t>Checking the quality of products.</a:t>
             </a:r>
             <a:endParaRPr lang="en-US"/>
           </a:p>
@@ -19322,7 +19381,7 @@
           <a:p>
             <a:r>
               <a:rPr lang="en-US"/>
-              <a:t>Setting goals for a company.</a:t>
+              <a:t>Helping a business improve its performance.</a:t>
             </a:r>
             <a:endParaRPr lang="en-US"/>
           </a:p>
@@ -19380,7 +19439,7 @@
           <a:p>
             <a:r>
               <a:rPr lang="en-US"/>
-              <a:t> A short-term financial plan.</a:t>
+              <a:t>Setting goals for a company.</a:t>
             </a:r>
             <a:endParaRPr lang="en-US"/>
           </a:p>
@@ -19438,7 +19497,7 @@
           <a:p>
             <a:r>
               <a:rPr lang="en-US"/>
-              <a:t>A record of a company’s money.</a:t>
+              <a:t> A short-term financial plan.</a:t>
             </a:r>
             <a:endParaRPr lang="en-US"/>
           </a:p>
@@ -19683,7 +19742,7 @@
           <a:p>
             <a:r>
               <a:rPr lang="en-US"/>
-              <a:t>The ability to do many things at once.</a:t>
+              <a:t>A record of a company’s money.</a:t>
             </a:r>
             <a:endParaRPr lang="en-US"/>
           </a:p>
@@ -19741,7 +19800,7 @@
           <a:p>
             <a:r>
               <a:rPr lang="en-US"/>
-              <a:t> Making decisions quickly.</a:t>
+              <a:t>The ability to do many things at once.</a:t>
             </a:r>
             <a:endParaRPr lang="en-US"/>
           </a:p>
@@ -19799,7 +19858,7 @@
           <a:p>
             <a:r>
               <a:rPr lang="en-US"/>
-              <a:t>Protecting a company from risk.</a:t>
+              <a:t> Making decisions quickly.</a:t>
             </a:r>
             <a:endParaRPr lang="en-US"/>
           </a:p>
@@ -19857,7 +19916,7 @@
           <a:p>
             <a:r>
               <a:rPr lang="en-US"/>
-              <a:t>What you give to customers after they buy.</a:t>
+              <a:t>Protecting a company from risk.</a:t>
             </a:r>
             <a:endParaRPr lang="en-US"/>
           </a:p>
@@ -19915,7 +19974,7 @@
           <a:p>
             <a:r>
               <a:rPr lang="en-US"/>
-              <a:t>The ability to work with others.</a:t>
+              <a:t>What you give to customers after they buy.</a:t>
             </a:r>
             <a:endParaRPr lang="en-US"/>
           </a:p>
@@ -19973,7 +20032,7 @@
           <a:p>
             <a:r>
               <a:rPr lang="en-US"/>
-              <a:t>Getting new products to market.</a:t>
+              <a:t>The ability to work with others.</a:t>
             </a:r>
             <a:endParaRPr lang="en-US"/>
           </a:p>
@@ -20031,7 +20090,7 @@
           <a:p>
             <a:r>
               <a:rPr lang="en-US"/>
-              <a:t> A written commitment to do something.</a:t>
+              <a:t>Getting new products to market.</a:t>
             </a:r>
             <a:endParaRPr lang="en-US"/>
           </a:p>
@@ -20089,7 +20148,7 @@
           <a:p>
             <a:r>
               <a:rPr lang="en-US"/>
-              <a:t> The main person responsible in a company.</a:t>
+              <a:t> A written commitment to do something.</a:t>
             </a:r>
             <a:endParaRPr lang="en-US"/>
           </a:p>
@@ -20147,7 +20206,7 @@
           <a:p>
             <a:r>
               <a:rPr lang="en-US"/>
-              <a:t> Offering something for free to attract customers.</a:t>
+              <a:t> The main person responsible in a company.</a:t>
             </a:r>
             <a:endParaRPr lang="en-US"/>
           </a:p>
@@ -20205,7 +20264,7 @@
           <a:p>
             <a:r>
               <a:rPr lang="en-US"/>
-              <a:t> A set of rules for a workplace.	</a:t>
+              <a:t> Offering something for free to attract customers.</a:t>
             </a:r>
             <a:endParaRPr lang="en-US"/>
           </a:p>
@@ -20257,6 +20316,736 @@
             <p:ph idx="1"/>
           </p:nvPr>
         </p:nvSpPr>
+        <p:spPr/>
+        <p:txBody>
+          <a:bodyPr/>
+          <a:p>
+            <a:r>
+              <a:rPr lang="en-US" sz="4800">
+                <a:solidFill>
+                  <a:schemeClr val="accent6">
+                    <a:lumMod val="10000"/>
+                  </a:schemeClr>
+                </a:solidFill>
+                <a:effectLst>
+                  <a:outerShdw blurRad="38100" dist="38100" dir="2700000" algn="tl">
+                    <a:srgbClr val="000000">
+                      <a:alpha val="43137"/>
+                    </a:srgbClr>
+                  </a:outerShdw>
+                </a:effectLst>
+              </a:rPr>
+              <a:t>Only the first team to raise their hand will get the chance to answer the question.</a:t>
+            </a:r>
+            <a:endParaRPr lang="en-US" sz="4800">
+              <a:solidFill>
+                <a:schemeClr val="accent6">
+                  <a:lumMod val="10000"/>
+                </a:schemeClr>
+              </a:solidFill>
+              <a:effectLst>
+                <a:outerShdw blurRad="38100" dist="38100" dir="2700000" algn="tl">
+                  <a:srgbClr val="000000">
+                    <a:alpha val="43137"/>
+                  </a:srgbClr>
+                </a:outerShdw>
+              </a:effectLst>
+            </a:endParaRPr>
+          </a:p>
+          <a:p>
+            <a:r>
+              <a:rPr lang="en-US" sz="4800">
+                <a:solidFill>
+                  <a:schemeClr val="accent6">
+                    <a:lumMod val="10000"/>
+                  </a:schemeClr>
+                </a:solidFill>
+                <a:effectLst>
+                  <a:outerShdw blurRad="38100" dist="38100" dir="2700000" algn="tl">
+                    <a:srgbClr val="000000">
+                      <a:alpha val="43137"/>
+                    </a:srgbClr>
+                  </a:outerShdw>
+                </a:effectLst>
+              </a:rPr>
+              <a:t> Please don't shout out the answers</a:t>
+            </a:r>
+            <a:endParaRPr lang="en-US" sz="4800">
+              <a:solidFill>
+                <a:schemeClr val="accent6">
+                  <a:lumMod val="10000"/>
+                </a:schemeClr>
+              </a:solidFill>
+              <a:effectLst>
+                <a:outerShdw blurRad="38100" dist="38100" dir="2700000" algn="tl">
+                  <a:srgbClr val="000000">
+                    <a:alpha val="43137"/>
+                  </a:srgbClr>
+                </a:outerShdw>
+              </a:effectLst>
+            </a:endParaRPr>
+          </a:p>
+          <a:p>
+            <a:r>
+              <a:rPr lang="en-US" sz="4800">
+                <a:solidFill>
+                  <a:schemeClr val="accent6">
+                    <a:lumMod val="10000"/>
+                  </a:schemeClr>
+                </a:solidFill>
+                <a:effectLst>
+                  <a:outerShdw blurRad="38100" dist="38100" dir="2700000" algn="tl">
+                    <a:srgbClr val="000000">
+                      <a:alpha val="43137"/>
+                    </a:srgbClr>
+                  </a:outerShdw>
+                </a:effectLst>
+              </a:rPr>
+              <a:t>Think twice before you answer.</a:t>
+            </a:r>
+            <a:endParaRPr lang="en-US" sz="4800">
+              <a:solidFill>
+                <a:schemeClr val="accent6">
+                  <a:lumMod val="10000"/>
+                </a:schemeClr>
+              </a:solidFill>
+              <a:effectLst>
+                <a:outerShdw blurRad="38100" dist="38100" dir="2700000" algn="tl">
+                  <a:srgbClr val="000000">
+                    <a:alpha val="43137"/>
+                  </a:srgbClr>
+                </a:outerShdw>
+              </a:effectLst>
+            </a:endParaRPr>
+          </a:p>
+        </p:txBody>
+      </p:sp>
+    </p:spTree>
+  </p:cSld>
+  <p:clrMapOvr>
+    <a:masterClrMapping/>
+  </p:clrMapOvr>
+</p:sld>
+</file>
+
+<file path=ppt/slides/slide40.xml><?xml version="1.0" encoding="utf-8"?>
+<p:sld xmlns:a="http://schemas.openxmlformats.org/drawingml/2006/main" xmlns:r="http://schemas.openxmlformats.org/officeDocument/2006/relationships" xmlns:p="http://schemas.openxmlformats.org/presentationml/2006/main">
+  <p:cSld>
+    <p:spTree>
+      <p:nvGrpSpPr>
+        <p:cNvPr id="1" name=""/>
+        <p:cNvGrpSpPr/>
+        <p:nvPr/>
+      </p:nvGrpSpPr>
+      <p:grpSpPr/>
+      <p:sp>
+        <p:nvSpPr>
+          <p:cNvPr id="2" name="Title 1"/>
+          <p:cNvSpPr>
+            <a:spLocks noGrp="1"/>
+          </p:cNvSpPr>
+          <p:nvPr>
+            <p:ph type="title"/>
+          </p:nvPr>
+        </p:nvSpPr>
+        <p:spPr/>
+        <p:txBody>
+          <a:bodyPr/>
+          <a:p>
+            <a:endParaRPr lang="en-US"/>
+          </a:p>
+        </p:txBody>
+      </p:sp>
+      <p:sp>
+        <p:nvSpPr>
+          <p:cNvPr id="3" name="Content Placeholder 2"/>
+          <p:cNvSpPr>
+            <a:spLocks noGrp="1"/>
+          </p:cNvSpPr>
+          <p:nvPr>
+            <p:ph idx="1"/>
+          </p:nvPr>
+        </p:nvSpPr>
+        <p:spPr/>
+        <p:txBody>
+          <a:bodyPr/>
+          <a:p>
+            <a:r>
+              <a:rPr lang="en-US"/>
+              <a:t> A set of rules for a workplace.	</a:t>
+            </a:r>
+            <a:endParaRPr lang="en-US"/>
+          </a:p>
+        </p:txBody>
+      </p:sp>
+    </p:spTree>
+  </p:cSld>
+  <p:clrMapOvr>
+    <a:masterClrMapping/>
+  </p:clrMapOvr>
+</p:sld>
+</file>
+
+<file path=ppt/slides/slide41.xml><?xml version="1.0" encoding="utf-8"?>
+<p:sld xmlns:a="http://schemas.openxmlformats.org/drawingml/2006/main" xmlns:r="http://schemas.openxmlformats.org/officeDocument/2006/relationships" xmlns:p="http://schemas.openxmlformats.org/presentationml/2006/main">
+  <p:cSld>
+    <p:spTree>
+      <p:nvGrpSpPr>
+        <p:cNvPr id="1" name=""/>
+        <p:cNvGrpSpPr/>
+        <p:nvPr/>
+      </p:nvGrpSpPr>
+      <p:grpSpPr/>
+      <p:sp>
+        <p:nvSpPr>
+          <p:cNvPr id="2" name="Title 1"/>
+          <p:cNvSpPr>
+            <a:spLocks noGrp="1"/>
+          </p:cNvSpPr>
+          <p:nvPr>
+            <p:ph type="title"/>
+          </p:nvPr>
+        </p:nvSpPr>
+        <p:spPr/>
+        <p:txBody>
+          <a:bodyPr/>
+          <a:p>
+            <a:endParaRPr lang="en-US"/>
+          </a:p>
+        </p:txBody>
+      </p:sp>
+      <p:sp>
+        <p:nvSpPr>
+          <p:cNvPr id="3" name="Content Placeholder 2"/>
+          <p:cNvSpPr>
+            <a:spLocks noGrp="1"/>
+          </p:cNvSpPr>
+          <p:nvPr>
+            <p:ph idx="1"/>
+          </p:nvPr>
+        </p:nvSpPr>
+        <p:spPr/>
+        <p:txBody>
+          <a:bodyPr/>
+          <a:p>
+            <a:r>
+              <a:rPr lang="en-US"/>
+              <a:t>The image or feeling people associate with a product.</a:t>
+            </a:r>
+            <a:endParaRPr lang="en-US"/>
+          </a:p>
+        </p:txBody>
+      </p:sp>
+    </p:spTree>
+  </p:cSld>
+  <p:clrMapOvr>
+    <a:masterClrMapping/>
+  </p:clrMapOvr>
+</p:sld>
+</file>
+
+<file path=ppt/slides/slide42.xml><?xml version="1.0" encoding="utf-8"?>
+<p:sld xmlns:a="http://schemas.openxmlformats.org/drawingml/2006/main" xmlns:r="http://schemas.openxmlformats.org/officeDocument/2006/relationships" xmlns:p="http://schemas.openxmlformats.org/presentationml/2006/main">
+  <p:cSld>
+    <p:spTree>
+      <p:nvGrpSpPr>
+        <p:cNvPr id="1" name=""/>
+        <p:cNvGrpSpPr/>
+        <p:nvPr/>
+      </p:nvGrpSpPr>
+      <p:grpSpPr/>
+      <p:sp>
+        <p:nvSpPr>
+          <p:cNvPr id="2" name="Title 1"/>
+          <p:cNvSpPr>
+            <a:spLocks noGrp="1"/>
+          </p:cNvSpPr>
+          <p:nvPr>
+            <p:ph type="title"/>
+          </p:nvPr>
+        </p:nvSpPr>
+        <p:spPr/>
+        <p:txBody>
+          <a:bodyPr/>
+          <a:p>
+            <a:endParaRPr lang="en-US"/>
+          </a:p>
+        </p:txBody>
+      </p:sp>
+      <p:sp>
+        <p:nvSpPr>
+          <p:cNvPr id="3" name="Content Placeholder 2"/>
+          <p:cNvSpPr>
+            <a:spLocks noGrp="1"/>
+          </p:cNvSpPr>
+          <p:nvPr>
+            <p:ph idx="1"/>
+          </p:nvPr>
+        </p:nvSpPr>
+        <p:spPr/>
+        <p:txBody>
+          <a:bodyPr/>
+          <a:p>
+            <a:r>
+              <a:rPr lang="en-US"/>
+              <a:t>A place where products are made.</a:t>
+            </a:r>
+            <a:endParaRPr lang="en-US"/>
+          </a:p>
+        </p:txBody>
+      </p:sp>
+    </p:spTree>
+  </p:cSld>
+  <p:clrMapOvr>
+    <a:masterClrMapping/>
+  </p:clrMapOvr>
+</p:sld>
+</file>
+
+<file path=ppt/slides/slide43.xml><?xml version="1.0" encoding="utf-8"?>
+<p:sld xmlns:a="http://schemas.openxmlformats.org/drawingml/2006/main" xmlns:r="http://schemas.openxmlformats.org/officeDocument/2006/relationships" xmlns:p="http://schemas.openxmlformats.org/presentationml/2006/main">
+  <p:cSld>
+    <p:spTree>
+      <p:nvGrpSpPr>
+        <p:cNvPr id="1" name=""/>
+        <p:cNvGrpSpPr/>
+        <p:nvPr/>
+      </p:nvGrpSpPr>
+      <p:grpSpPr/>
+      <p:sp>
+        <p:nvSpPr>
+          <p:cNvPr id="2" name="Title 1"/>
+          <p:cNvSpPr>
+            <a:spLocks noGrp="1"/>
+          </p:cNvSpPr>
+          <p:nvPr>
+            <p:ph type="title"/>
+          </p:nvPr>
+        </p:nvSpPr>
+        <p:spPr/>
+        <p:txBody>
+          <a:bodyPr/>
+          <a:p>
+            <a:endParaRPr lang="en-US"/>
+          </a:p>
+        </p:txBody>
+      </p:sp>
+      <p:sp>
+        <p:nvSpPr>
+          <p:cNvPr id="3" name="Content Placeholder 2"/>
+          <p:cNvSpPr>
+            <a:spLocks noGrp="1"/>
+          </p:cNvSpPr>
+          <p:nvPr>
+            <p:ph idx="1"/>
+          </p:nvPr>
+        </p:nvSpPr>
+        <p:spPr/>
+        <p:txBody>
+          <a:bodyPr/>
+          <a:p>
+            <a:r>
+              <a:rPr lang="en-US"/>
+              <a:t> Working for yourself.</a:t>
+            </a:r>
+            <a:endParaRPr lang="en-US"/>
+          </a:p>
+        </p:txBody>
+      </p:sp>
+    </p:spTree>
+  </p:cSld>
+  <p:clrMapOvr>
+    <a:masterClrMapping/>
+  </p:clrMapOvr>
+</p:sld>
+</file>
+
+<file path=ppt/slides/slide44.xml><?xml version="1.0" encoding="utf-8"?>
+<p:sld xmlns:a="http://schemas.openxmlformats.org/drawingml/2006/main" xmlns:r="http://schemas.openxmlformats.org/officeDocument/2006/relationships" xmlns:p="http://schemas.openxmlformats.org/presentationml/2006/main">
+  <p:cSld>
+    <p:spTree>
+      <p:nvGrpSpPr>
+        <p:cNvPr id="1" name=""/>
+        <p:cNvGrpSpPr/>
+        <p:nvPr/>
+      </p:nvGrpSpPr>
+      <p:grpSpPr/>
+      <p:sp>
+        <p:nvSpPr>
+          <p:cNvPr id="2" name="Title 1"/>
+          <p:cNvSpPr>
+            <a:spLocks noGrp="1"/>
+          </p:cNvSpPr>
+          <p:nvPr>
+            <p:ph type="title"/>
+          </p:nvPr>
+        </p:nvSpPr>
+        <p:spPr/>
+        <p:txBody>
+          <a:bodyPr/>
+          <a:p>
+            <a:endParaRPr lang="en-US"/>
+          </a:p>
+        </p:txBody>
+      </p:sp>
+      <p:sp>
+        <p:nvSpPr>
+          <p:cNvPr id="3" name="Content Placeholder 2"/>
+          <p:cNvSpPr>
+            <a:spLocks noGrp="1"/>
+          </p:cNvSpPr>
+          <p:nvPr>
+            <p:ph idx="1"/>
+          </p:nvPr>
+        </p:nvSpPr>
+        <p:spPr/>
+        <p:txBody>
+          <a:bodyPr/>
+          <a:p>
+            <a:r>
+              <a:rPr lang="en-US"/>
+              <a:t>Money left after paying expenses.</a:t>
+            </a:r>
+            <a:endParaRPr lang="en-US"/>
+          </a:p>
+        </p:txBody>
+      </p:sp>
+    </p:spTree>
+  </p:cSld>
+  <p:clrMapOvr>
+    <a:masterClrMapping/>
+  </p:clrMapOvr>
+</p:sld>
+</file>
+
+<file path=ppt/slides/slide45.xml><?xml version="1.0" encoding="utf-8"?>
+<p:sld xmlns:a="http://schemas.openxmlformats.org/drawingml/2006/main" xmlns:r="http://schemas.openxmlformats.org/officeDocument/2006/relationships" xmlns:p="http://schemas.openxmlformats.org/presentationml/2006/main">
+  <p:cSld>
+    <p:spTree>
+      <p:nvGrpSpPr>
+        <p:cNvPr id="1" name=""/>
+        <p:cNvGrpSpPr/>
+        <p:nvPr/>
+      </p:nvGrpSpPr>
+      <p:grpSpPr/>
+      <p:sp>
+        <p:nvSpPr>
+          <p:cNvPr id="2" name="Title 1"/>
+          <p:cNvSpPr>
+            <a:spLocks noGrp="1"/>
+          </p:cNvSpPr>
+          <p:nvPr>
+            <p:ph type="title"/>
+          </p:nvPr>
+        </p:nvSpPr>
+        <p:spPr/>
+        <p:txBody>
+          <a:bodyPr/>
+          <a:p>
+            <a:endParaRPr lang="en-US"/>
+          </a:p>
+        </p:txBody>
+      </p:sp>
+      <p:sp>
+        <p:nvSpPr>
+          <p:cNvPr id="3" name="Content Placeholder 2"/>
+          <p:cNvSpPr>
+            <a:spLocks noGrp="1"/>
+          </p:cNvSpPr>
+          <p:nvPr>
+            <p:ph idx="1"/>
+          </p:nvPr>
+        </p:nvSpPr>
+        <p:spPr/>
+        <p:txBody>
+          <a:bodyPr/>
+          <a:p>
+            <a:r>
+              <a:rPr lang="en-US"/>
+              <a:t> A company’s detailed plan for its goals.</a:t>
+            </a:r>
+            <a:endParaRPr lang="en-US"/>
+          </a:p>
+        </p:txBody>
+      </p:sp>
+    </p:spTree>
+  </p:cSld>
+  <p:clrMapOvr>
+    <a:masterClrMapping/>
+  </p:clrMapOvr>
+</p:sld>
+</file>
+
+<file path=ppt/slides/slide46.xml><?xml version="1.0" encoding="utf-8"?>
+<p:sld xmlns:a="http://schemas.openxmlformats.org/drawingml/2006/main" xmlns:r="http://schemas.openxmlformats.org/officeDocument/2006/relationships" xmlns:p="http://schemas.openxmlformats.org/presentationml/2006/main">
+  <p:cSld>
+    <p:spTree>
+      <p:nvGrpSpPr>
+        <p:cNvPr id="1" name=""/>
+        <p:cNvGrpSpPr/>
+        <p:nvPr/>
+      </p:nvGrpSpPr>
+      <p:grpSpPr/>
+      <p:sp>
+        <p:nvSpPr>
+          <p:cNvPr id="2" name="Title 1"/>
+          <p:cNvSpPr>
+            <a:spLocks noGrp="1"/>
+          </p:cNvSpPr>
+          <p:nvPr>
+            <p:ph type="title"/>
+          </p:nvPr>
+        </p:nvSpPr>
+        <p:spPr/>
+        <p:txBody>
+          <a:bodyPr/>
+          <a:p>
+            <a:endParaRPr lang="en-US"/>
+          </a:p>
+        </p:txBody>
+      </p:sp>
+      <p:sp>
+        <p:nvSpPr>
+          <p:cNvPr id="3" name="Content Placeholder 2"/>
+          <p:cNvSpPr>
+            <a:spLocks noGrp="1"/>
+          </p:cNvSpPr>
+          <p:nvPr>
+            <p:ph idx="1"/>
+          </p:nvPr>
+        </p:nvSpPr>
+        <p:spPr/>
+        <p:txBody>
+          <a:bodyPr/>
+          <a:p>
+            <a:r>
+              <a:rPr lang="en-US"/>
+              <a:t> A person who helps guide a company.</a:t>
+            </a:r>
+            <a:endParaRPr lang="en-US"/>
+          </a:p>
+        </p:txBody>
+      </p:sp>
+    </p:spTree>
+  </p:cSld>
+  <p:clrMapOvr>
+    <a:masterClrMapping/>
+  </p:clrMapOvr>
+</p:sld>
+</file>
+
+<file path=ppt/slides/slide47.xml><?xml version="1.0" encoding="utf-8"?>
+<p:sld xmlns:a="http://schemas.openxmlformats.org/drawingml/2006/main" xmlns:r="http://schemas.openxmlformats.org/officeDocument/2006/relationships" xmlns:p="http://schemas.openxmlformats.org/presentationml/2006/main">
+  <p:cSld>
+    <p:spTree>
+      <p:nvGrpSpPr>
+        <p:cNvPr id="1" name=""/>
+        <p:cNvGrpSpPr/>
+        <p:nvPr/>
+      </p:nvGrpSpPr>
+      <p:grpSpPr/>
+      <p:sp>
+        <p:nvSpPr>
+          <p:cNvPr id="2" name="Title 1"/>
+          <p:cNvSpPr>
+            <a:spLocks noGrp="1"/>
+          </p:cNvSpPr>
+          <p:nvPr>
+            <p:ph type="title"/>
+          </p:nvPr>
+        </p:nvSpPr>
+        <p:spPr/>
+        <p:txBody>
+          <a:bodyPr/>
+          <a:p>
+            <a:endParaRPr lang="en-US"/>
+          </a:p>
+        </p:txBody>
+      </p:sp>
+      <p:sp>
+        <p:nvSpPr>
+          <p:cNvPr id="3" name="Content Placeholder 2"/>
+          <p:cNvSpPr>
+            <a:spLocks noGrp="1"/>
+          </p:cNvSpPr>
+          <p:nvPr>
+            <p:ph idx="1"/>
+          </p:nvPr>
+        </p:nvSpPr>
+        <p:spPr/>
+        <p:txBody>
+          <a:bodyPr/>
+          <a:p>
+            <a:r>
+              <a:rPr lang="en-US"/>
+              <a:t> Moving products from one place to another.</a:t>
+            </a:r>
+            <a:endParaRPr lang="en-US"/>
+          </a:p>
+        </p:txBody>
+      </p:sp>
+    </p:spTree>
+  </p:cSld>
+  <p:clrMapOvr>
+    <a:masterClrMapping/>
+  </p:clrMapOvr>
+</p:sld>
+</file>
+
+<file path=ppt/slides/slide48.xml><?xml version="1.0" encoding="utf-8"?>
+<p:sld xmlns:a="http://schemas.openxmlformats.org/drawingml/2006/main" xmlns:r="http://schemas.openxmlformats.org/officeDocument/2006/relationships" xmlns:p="http://schemas.openxmlformats.org/presentationml/2006/main">
+  <p:cSld>
+    <p:spTree>
+      <p:nvGrpSpPr>
+        <p:cNvPr id="1" name=""/>
+        <p:cNvGrpSpPr/>
+        <p:nvPr/>
+      </p:nvGrpSpPr>
+      <p:grpSpPr/>
+      <p:sp>
+        <p:nvSpPr>
+          <p:cNvPr id="2" name="Title 1"/>
+          <p:cNvSpPr>
+            <a:spLocks noGrp="1"/>
+          </p:cNvSpPr>
+          <p:nvPr>
+            <p:ph type="title"/>
+          </p:nvPr>
+        </p:nvSpPr>
+        <p:spPr/>
+        <p:txBody>
+          <a:bodyPr/>
+          <a:p>
+            <a:endParaRPr lang="en-US"/>
+          </a:p>
+        </p:txBody>
+      </p:sp>
+      <p:sp>
+        <p:nvSpPr>
+          <p:cNvPr id="3" name="Content Placeholder 2"/>
+          <p:cNvSpPr>
+            <a:spLocks noGrp="1"/>
+          </p:cNvSpPr>
+          <p:nvPr>
+            <p:ph idx="1"/>
+          </p:nvPr>
+        </p:nvSpPr>
+        <p:spPr/>
+        <p:txBody>
+          <a:bodyPr/>
+          <a:p>
+            <a:r>
+              <a:rPr lang="en-US"/>
+              <a:t>A report showing a company’s financial health.</a:t>
+            </a:r>
+            <a:endParaRPr lang="en-US"/>
+          </a:p>
+        </p:txBody>
+      </p:sp>
+    </p:spTree>
+  </p:cSld>
+  <p:clrMapOvr>
+    <a:masterClrMapping/>
+  </p:clrMapOvr>
+</p:sld>
+</file>
+
+<file path=ppt/slides/slide49.xml><?xml version="1.0" encoding="utf-8"?>
+<p:sld xmlns:a="http://schemas.openxmlformats.org/drawingml/2006/main" xmlns:r="http://schemas.openxmlformats.org/officeDocument/2006/relationships" xmlns:p="http://schemas.openxmlformats.org/presentationml/2006/main">
+  <p:cSld>
+    <p:spTree>
+      <p:nvGrpSpPr>
+        <p:cNvPr id="1" name=""/>
+        <p:cNvGrpSpPr/>
+        <p:nvPr/>
+      </p:nvGrpSpPr>
+      <p:grpSpPr/>
+      <p:sp>
+        <p:nvSpPr>
+          <p:cNvPr id="2" name="Title 1"/>
+          <p:cNvSpPr>
+            <a:spLocks noGrp="1"/>
+          </p:cNvSpPr>
+          <p:nvPr>
+            <p:ph type="title"/>
+          </p:nvPr>
+        </p:nvSpPr>
+        <p:spPr/>
+        <p:txBody>
+          <a:bodyPr/>
+          <a:p>
+            <a:endParaRPr lang="en-US"/>
+          </a:p>
+        </p:txBody>
+      </p:sp>
+      <p:sp>
+        <p:nvSpPr>
+          <p:cNvPr id="3" name="Content Placeholder 2"/>
+          <p:cNvSpPr>
+            <a:spLocks noGrp="1"/>
+          </p:cNvSpPr>
+          <p:nvPr>
+            <p:ph idx="1"/>
+          </p:nvPr>
+        </p:nvSpPr>
+        <p:spPr/>
+        <p:txBody>
+          <a:bodyPr/>
+          <a:p>
+            <a:r>
+              <a:rPr lang="en-US"/>
+              <a:t>A group of people who own a company.</a:t>
+            </a:r>
+            <a:endParaRPr lang="en-US"/>
+          </a:p>
+        </p:txBody>
+      </p:sp>
+    </p:spTree>
+  </p:cSld>
+  <p:clrMapOvr>
+    <a:masterClrMapping/>
+  </p:clrMapOvr>
+</p:sld>
+</file>
+
+<file path=ppt/slides/slide5.xml><?xml version="1.0" encoding="utf-8"?>
+<p:sld xmlns:a="http://schemas.openxmlformats.org/drawingml/2006/main" xmlns:r="http://schemas.openxmlformats.org/officeDocument/2006/relationships" xmlns:p="http://schemas.openxmlformats.org/presentationml/2006/main">
+  <p:cSld>
+    <p:spTree>
+      <p:nvGrpSpPr>
+        <p:cNvPr id="1" name=""/>
+        <p:cNvGrpSpPr/>
+        <p:nvPr/>
+      </p:nvGrpSpPr>
+      <p:grpSpPr/>
+      <p:sp>
+        <p:nvSpPr>
+          <p:cNvPr id="2" name="Title 1"/>
+          <p:cNvSpPr>
+            <a:spLocks noGrp="1"/>
+          </p:cNvSpPr>
+          <p:nvPr>
+            <p:ph type="title"/>
+          </p:nvPr>
+        </p:nvSpPr>
+        <p:spPr/>
+        <p:txBody>
+          <a:bodyPr/>
+          <a:p>
+            <a:endParaRPr lang="en-US"/>
+          </a:p>
+        </p:txBody>
+      </p:sp>
+      <p:sp>
+        <p:nvSpPr>
+          <p:cNvPr id="3" name="Content Placeholder 2"/>
+          <p:cNvSpPr>
+            <a:spLocks noGrp="1"/>
+          </p:cNvSpPr>
+          <p:nvPr>
+            <p:ph idx="1"/>
+          </p:nvPr>
+        </p:nvSpPr>
         <p:spPr>
           <a:xfrm>
             <a:off x="1455420" y="2428240"/>
@@ -20272,7 +21061,6 @@
             </a:r>
             <a:r>
               <a:rPr lang="en-US" sz="3600">
-                <a:ln/>
                 <a:pattFill prst="dkUpDiag">
                   <a:fgClr>
                     <a:schemeClr val="bg1">
@@ -20321,649 +21109,6 @@
 </p:sld>
 </file>
 
-<file path=ppt/slides/slide40.xml><?xml version="1.0" encoding="utf-8"?>
-<p:sld xmlns:a="http://schemas.openxmlformats.org/drawingml/2006/main" xmlns:r="http://schemas.openxmlformats.org/officeDocument/2006/relationships" xmlns:p="http://schemas.openxmlformats.org/presentationml/2006/main">
-  <p:cSld>
-    <p:spTree>
-      <p:nvGrpSpPr>
-        <p:cNvPr id="1" name=""/>
-        <p:cNvGrpSpPr/>
-        <p:nvPr/>
-      </p:nvGrpSpPr>
-      <p:grpSpPr/>
-      <p:sp>
-        <p:nvSpPr>
-          <p:cNvPr id="2" name="Title 1"/>
-          <p:cNvSpPr>
-            <a:spLocks noGrp="1"/>
-          </p:cNvSpPr>
-          <p:nvPr>
-            <p:ph type="title"/>
-          </p:nvPr>
-        </p:nvSpPr>
-        <p:spPr/>
-        <p:txBody>
-          <a:bodyPr/>
-          <a:p>
-            <a:endParaRPr lang="en-US"/>
-          </a:p>
-        </p:txBody>
-      </p:sp>
-      <p:sp>
-        <p:nvSpPr>
-          <p:cNvPr id="3" name="Content Placeholder 2"/>
-          <p:cNvSpPr>
-            <a:spLocks noGrp="1"/>
-          </p:cNvSpPr>
-          <p:nvPr>
-            <p:ph idx="1"/>
-          </p:nvPr>
-        </p:nvSpPr>
-        <p:spPr/>
-        <p:txBody>
-          <a:bodyPr/>
-          <a:p>
-            <a:r>
-              <a:rPr lang="en-US"/>
-              <a:t>The image or feeling people associate with a product.</a:t>
-            </a:r>
-            <a:endParaRPr lang="en-US"/>
-          </a:p>
-        </p:txBody>
-      </p:sp>
-    </p:spTree>
-  </p:cSld>
-  <p:clrMapOvr>
-    <a:masterClrMapping/>
-  </p:clrMapOvr>
-</p:sld>
-</file>
-
-<file path=ppt/slides/slide41.xml><?xml version="1.0" encoding="utf-8"?>
-<p:sld xmlns:a="http://schemas.openxmlformats.org/drawingml/2006/main" xmlns:r="http://schemas.openxmlformats.org/officeDocument/2006/relationships" xmlns:p="http://schemas.openxmlformats.org/presentationml/2006/main">
-  <p:cSld>
-    <p:spTree>
-      <p:nvGrpSpPr>
-        <p:cNvPr id="1" name=""/>
-        <p:cNvGrpSpPr/>
-        <p:nvPr/>
-      </p:nvGrpSpPr>
-      <p:grpSpPr/>
-      <p:sp>
-        <p:nvSpPr>
-          <p:cNvPr id="2" name="Title 1"/>
-          <p:cNvSpPr>
-            <a:spLocks noGrp="1"/>
-          </p:cNvSpPr>
-          <p:nvPr>
-            <p:ph type="title"/>
-          </p:nvPr>
-        </p:nvSpPr>
-        <p:spPr/>
-        <p:txBody>
-          <a:bodyPr/>
-          <a:p>
-            <a:endParaRPr lang="en-US"/>
-          </a:p>
-        </p:txBody>
-      </p:sp>
-      <p:sp>
-        <p:nvSpPr>
-          <p:cNvPr id="3" name="Content Placeholder 2"/>
-          <p:cNvSpPr>
-            <a:spLocks noGrp="1"/>
-          </p:cNvSpPr>
-          <p:nvPr>
-            <p:ph idx="1"/>
-          </p:nvPr>
-        </p:nvSpPr>
-        <p:spPr/>
-        <p:txBody>
-          <a:bodyPr/>
-          <a:p>
-            <a:r>
-              <a:rPr lang="en-US"/>
-              <a:t>A place where products are made.</a:t>
-            </a:r>
-            <a:endParaRPr lang="en-US"/>
-          </a:p>
-        </p:txBody>
-      </p:sp>
-    </p:spTree>
-  </p:cSld>
-  <p:clrMapOvr>
-    <a:masterClrMapping/>
-  </p:clrMapOvr>
-</p:sld>
-</file>
-
-<file path=ppt/slides/slide42.xml><?xml version="1.0" encoding="utf-8"?>
-<p:sld xmlns:a="http://schemas.openxmlformats.org/drawingml/2006/main" xmlns:r="http://schemas.openxmlformats.org/officeDocument/2006/relationships" xmlns:p="http://schemas.openxmlformats.org/presentationml/2006/main">
-  <p:cSld>
-    <p:spTree>
-      <p:nvGrpSpPr>
-        <p:cNvPr id="1" name=""/>
-        <p:cNvGrpSpPr/>
-        <p:nvPr/>
-      </p:nvGrpSpPr>
-      <p:grpSpPr/>
-      <p:sp>
-        <p:nvSpPr>
-          <p:cNvPr id="2" name="Title 1"/>
-          <p:cNvSpPr>
-            <a:spLocks noGrp="1"/>
-          </p:cNvSpPr>
-          <p:nvPr>
-            <p:ph type="title"/>
-          </p:nvPr>
-        </p:nvSpPr>
-        <p:spPr/>
-        <p:txBody>
-          <a:bodyPr/>
-          <a:p>
-            <a:endParaRPr lang="en-US"/>
-          </a:p>
-        </p:txBody>
-      </p:sp>
-      <p:sp>
-        <p:nvSpPr>
-          <p:cNvPr id="3" name="Content Placeholder 2"/>
-          <p:cNvSpPr>
-            <a:spLocks noGrp="1"/>
-          </p:cNvSpPr>
-          <p:nvPr>
-            <p:ph idx="1"/>
-          </p:nvPr>
-        </p:nvSpPr>
-        <p:spPr/>
-        <p:txBody>
-          <a:bodyPr/>
-          <a:p>
-            <a:r>
-              <a:rPr lang="en-US"/>
-              <a:t> Working for yourself.</a:t>
-            </a:r>
-            <a:endParaRPr lang="en-US"/>
-          </a:p>
-        </p:txBody>
-      </p:sp>
-    </p:spTree>
-  </p:cSld>
-  <p:clrMapOvr>
-    <a:masterClrMapping/>
-  </p:clrMapOvr>
-</p:sld>
-</file>
-
-<file path=ppt/slides/slide43.xml><?xml version="1.0" encoding="utf-8"?>
-<p:sld xmlns:a="http://schemas.openxmlformats.org/drawingml/2006/main" xmlns:r="http://schemas.openxmlformats.org/officeDocument/2006/relationships" xmlns:p="http://schemas.openxmlformats.org/presentationml/2006/main">
-  <p:cSld>
-    <p:spTree>
-      <p:nvGrpSpPr>
-        <p:cNvPr id="1" name=""/>
-        <p:cNvGrpSpPr/>
-        <p:nvPr/>
-      </p:nvGrpSpPr>
-      <p:grpSpPr/>
-      <p:sp>
-        <p:nvSpPr>
-          <p:cNvPr id="2" name="Title 1"/>
-          <p:cNvSpPr>
-            <a:spLocks noGrp="1"/>
-          </p:cNvSpPr>
-          <p:nvPr>
-            <p:ph type="title"/>
-          </p:nvPr>
-        </p:nvSpPr>
-        <p:spPr/>
-        <p:txBody>
-          <a:bodyPr/>
-          <a:p>
-            <a:endParaRPr lang="en-US"/>
-          </a:p>
-        </p:txBody>
-      </p:sp>
-      <p:sp>
-        <p:nvSpPr>
-          <p:cNvPr id="3" name="Content Placeholder 2"/>
-          <p:cNvSpPr>
-            <a:spLocks noGrp="1"/>
-          </p:cNvSpPr>
-          <p:nvPr>
-            <p:ph idx="1"/>
-          </p:nvPr>
-        </p:nvSpPr>
-        <p:spPr/>
-        <p:txBody>
-          <a:bodyPr/>
-          <a:p>
-            <a:r>
-              <a:rPr lang="en-US"/>
-              <a:t>Money left after paying expenses.</a:t>
-            </a:r>
-            <a:endParaRPr lang="en-US"/>
-          </a:p>
-        </p:txBody>
-      </p:sp>
-    </p:spTree>
-  </p:cSld>
-  <p:clrMapOvr>
-    <a:masterClrMapping/>
-  </p:clrMapOvr>
-</p:sld>
-</file>
-
-<file path=ppt/slides/slide44.xml><?xml version="1.0" encoding="utf-8"?>
-<p:sld xmlns:a="http://schemas.openxmlformats.org/drawingml/2006/main" xmlns:r="http://schemas.openxmlformats.org/officeDocument/2006/relationships" xmlns:p="http://schemas.openxmlformats.org/presentationml/2006/main">
-  <p:cSld>
-    <p:spTree>
-      <p:nvGrpSpPr>
-        <p:cNvPr id="1" name=""/>
-        <p:cNvGrpSpPr/>
-        <p:nvPr/>
-      </p:nvGrpSpPr>
-      <p:grpSpPr/>
-      <p:sp>
-        <p:nvSpPr>
-          <p:cNvPr id="2" name="Title 1"/>
-          <p:cNvSpPr>
-            <a:spLocks noGrp="1"/>
-          </p:cNvSpPr>
-          <p:nvPr>
-            <p:ph type="title"/>
-          </p:nvPr>
-        </p:nvSpPr>
-        <p:spPr/>
-        <p:txBody>
-          <a:bodyPr/>
-          <a:p>
-            <a:endParaRPr lang="en-US"/>
-          </a:p>
-        </p:txBody>
-      </p:sp>
-      <p:sp>
-        <p:nvSpPr>
-          <p:cNvPr id="3" name="Content Placeholder 2"/>
-          <p:cNvSpPr>
-            <a:spLocks noGrp="1"/>
-          </p:cNvSpPr>
-          <p:nvPr>
-            <p:ph idx="1"/>
-          </p:nvPr>
-        </p:nvSpPr>
-        <p:spPr/>
-        <p:txBody>
-          <a:bodyPr/>
-          <a:p>
-            <a:r>
-              <a:rPr lang="en-US"/>
-              <a:t> A company’s detailed plan for its goals.</a:t>
-            </a:r>
-            <a:endParaRPr lang="en-US"/>
-          </a:p>
-        </p:txBody>
-      </p:sp>
-    </p:spTree>
-  </p:cSld>
-  <p:clrMapOvr>
-    <a:masterClrMapping/>
-  </p:clrMapOvr>
-</p:sld>
-</file>
-
-<file path=ppt/slides/slide45.xml><?xml version="1.0" encoding="utf-8"?>
-<p:sld xmlns:a="http://schemas.openxmlformats.org/drawingml/2006/main" xmlns:r="http://schemas.openxmlformats.org/officeDocument/2006/relationships" xmlns:p="http://schemas.openxmlformats.org/presentationml/2006/main">
-  <p:cSld>
-    <p:spTree>
-      <p:nvGrpSpPr>
-        <p:cNvPr id="1" name=""/>
-        <p:cNvGrpSpPr/>
-        <p:nvPr/>
-      </p:nvGrpSpPr>
-      <p:grpSpPr/>
-      <p:sp>
-        <p:nvSpPr>
-          <p:cNvPr id="2" name="Title 1"/>
-          <p:cNvSpPr>
-            <a:spLocks noGrp="1"/>
-          </p:cNvSpPr>
-          <p:nvPr>
-            <p:ph type="title"/>
-          </p:nvPr>
-        </p:nvSpPr>
-        <p:spPr/>
-        <p:txBody>
-          <a:bodyPr/>
-          <a:p>
-            <a:endParaRPr lang="en-US"/>
-          </a:p>
-        </p:txBody>
-      </p:sp>
-      <p:sp>
-        <p:nvSpPr>
-          <p:cNvPr id="3" name="Content Placeholder 2"/>
-          <p:cNvSpPr>
-            <a:spLocks noGrp="1"/>
-          </p:cNvSpPr>
-          <p:nvPr>
-            <p:ph idx="1"/>
-          </p:nvPr>
-        </p:nvSpPr>
-        <p:spPr/>
-        <p:txBody>
-          <a:bodyPr/>
-          <a:p>
-            <a:r>
-              <a:rPr lang="en-US"/>
-              <a:t> A person who helps guide a company.</a:t>
-            </a:r>
-            <a:endParaRPr lang="en-US"/>
-          </a:p>
-        </p:txBody>
-      </p:sp>
-    </p:spTree>
-  </p:cSld>
-  <p:clrMapOvr>
-    <a:masterClrMapping/>
-  </p:clrMapOvr>
-</p:sld>
-</file>
-
-<file path=ppt/slides/slide46.xml><?xml version="1.0" encoding="utf-8"?>
-<p:sld xmlns:a="http://schemas.openxmlformats.org/drawingml/2006/main" xmlns:r="http://schemas.openxmlformats.org/officeDocument/2006/relationships" xmlns:p="http://schemas.openxmlformats.org/presentationml/2006/main">
-  <p:cSld>
-    <p:spTree>
-      <p:nvGrpSpPr>
-        <p:cNvPr id="1" name=""/>
-        <p:cNvGrpSpPr/>
-        <p:nvPr/>
-      </p:nvGrpSpPr>
-      <p:grpSpPr/>
-      <p:sp>
-        <p:nvSpPr>
-          <p:cNvPr id="2" name="Title 1"/>
-          <p:cNvSpPr>
-            <a:spLocks noGrp="1"/>
-          </p:cNvSpPr>
-          <p:nvPr>
-            <p:ph type="title"/>
-          </p:nvPr>
-        </p:nvSpPr>
-        <p:spPr/>
-        <p:txBody>
-          <a:bodyPr/>
-          <a:p>
-            <a:endParaRPr lang="en-US"/>
-          </a:p>
-        </p:txBody>
-      </p:sp>
-      <p:sp>
-        <p:nvSpPr>
-          <p:cNvPr id="3" name="Content Placeholder 2"/>
-          <p:cNvSpPr>
-            <a:spLocks noGrp="1"/>
-          </p:cNvSpPr>
-          <p:nvPr>
-            <p:ph idx="1"/>
-          </p:nvPr>
-        </p:nvSpPr>
-        <p:spPr/>
-        <p:txBody>
-          <a:bodyPr/>
-          <a:p>
-            <a:r>
-              <a:rPr lang="en-US"/>
-              <a:t> Moving products from one place to another.</a:t>
-            </a:r>
-            <a:endParaRPr lang="en-US"/>
-          </a:p>
-        </p:txBody>
-      </p:sp>
-    </p:spTree>
-  </p:cSld>
-  <p:clrMapOvr>
-    <a:masterClrMapping/>
-  </p:clrMapOvr>
-</p:sld>
-</file>
-
-<file path=ppt/slides/slide47.xml><?xml version="1.0" encoding="utf-8"?>
-<p:sld xmlns:a="http://schemas.openxmlformats.org/drawingml/2006/main" xmlns:r="http://schemas.openxmlformats.org/officeDocument/2006/relationships" xmlns:p="http://schemas.openxmlformats.org/presentationml/2006/main">
-  <p:cSld>
-    <p:spTree>
-      <p:nvGrpSpPr>
-        <p:cNvPr id="1" name=""/>
-        <p:cNvGrpSpPr/>
-        <p:nvPr/>
-      </p:nvGrpSpPr>
-      <p:grpSpPr/>
-      <p:sp>
-        <p:nvSpPr>
-          <p:cNvPr id="2" name="Title 1"/>
-          <p:cNvSpPr>
-            <a:spLocks noGrp="1"/>
-          </p:cNvSpPr>
-          <p:nvPr>
-            <p:ph type="title"/>
-          </p:nvPr>
-        </p:nvSpPr>
-        <p:spPr/>
-        <p:txBody>
-          <a:bodyPr/>
-          <a:p>
-            <a:endParaRPr lang="en-US"/>
-          </a:p>
-        </p:txBody>
-      </p:sp>
-      <p:sp>
-        <p:nvSpPr>
-          <p:cNvPr id="3" name="Content Placeholder 2"/>
-          <p:cNvSpPr>
-            <a:spLocks noGrp="1"/>
-          </p:cNvSpPr>
-          <p:nvPr>
-            <p:ph idx="1"/>
-          </p:nvPr>
-        </p:nvSpPr>
-        <p:spPr/>
-        <p:txBody>
-          <a:bodyPr/>
-          <a:p>
-            <a:r>
-              <a:rPr lang="en-US"/>
-              <a:t>A report showing a company’s financial health.</a:t>
-            </a:r>
-            <a:endParaRPr lang="en-US"/>
-          </a:p>
-        </p:txBody>
-      </p:sp>
-    </p:spTree>
-  </p:cSld>
-  <p:clrMapOvr>
-    <a:masterClrMapping/>
-  </p:clrMapOvr>
-</p:sld>
-</file>
-
-<file path=ppt/slides/slide48.xml><?xml version="1.0" encoding="utf-8"?>
-<p:sld xmlns:a="http://schemas.openxmlformats.org/drawingml/2006/main" xmlns:r="http://schemas.openxmlformats.org/officeDocument/2006/relationships" xmlns:p="http://schemas.openxmlformats.org/presentationml/2006/main">
-  <p:cSld>
-    <p:spTree>
-      <p:nvGrpSpPr>
-        <p:cNvPr id="1" name=""/>
-        <p:cNvGrpSpPr/>
-        <p:nvPr/>
-      </p:nvGrpSpPr>
-      <p:grpSpPr/>
-      <p:sp>
-        <p:nvSpPr>
-          <p:cNvPr id="2" name="Title 1"/>
-          <p:cNvSpPr>
-            <a:spLocks noGrp="1"/>
-          </p:cNvSpPr>
-          <p:nvPr>
-            <p:ph type="title"/>
-          </p:nvPr>
-        </p:nvSpPr>
-        <p:spPr/>
-        <p:txBody>
-          <a:bodyPr/>
-          <a:p>
-            <a:endParaRPr lang="en-US"/>
-          </a:p>
-        </p:txBody>
-      </p:sp>
-      <p:sp>
-        <p:nvSpPr>
-          <p:cNvPr id="3" name="Content Placeholder 2"/>
-          <p:cNvSpPr>
-            <a:spLocks noGrp="1"/>
-          </p:cNvSpPr>
-          <p:nvPr>
-            <p:ph idx="1"/>
-          </p:nvPr>
-        </p:nvSpPr>
-        <p:spPr/>
-        <p:txBody>
-          <a:bodyPr/>
-          <a:p>
-            <a:r>
-              <a:rPr lang="en-US"/>
-              <a:t>A group of people who own a company.</a:t>
-            </a:r>
-            <a:endParaRPr lang="en-US"/>
-          </a:p>
-        </p:txBody>
-      </p:sp>
-    </p:spTree>
-  </p:cSld>
-  <p:clrMapOvr>
-    <a:masterClrMapping/>
-  </p:clrMapOvr>
-</p:sld>
-</file>
-
-<file path=ppt/slides/slide49.xml><?xml version="1.0" encoding="utf-8"?>
-<p:sld xmlns:a="http://schemas.openxmlformats.org/drawingml/2006/main" xmlns:r="http://schemas.openxmlformats.org/officeDocument/2006/relationships" xmlns:p="http://schemas.openxmlformats.org/presentationml/2006/main">
-  <p:cSld>
-    <p:spTree>
-      <p:nvGrpSpPr>
-        <p:cNvPr id="1" name=""/>
-        <p:cNvGrpSpPr/>
-        <p:nvPr/>
-      </p:nvGrpSpPr>
-      <p:grpSpPr/>
-      <p:sp>
-        <p:nvSpPr>
-          <p:cNvPr id="2" name="Title 1"/>
-          <p:cNvSpPr>
-            <a:spLocks noGrp="1"/>
-          </p:cNvSpPr>
-          <p:nvPr>
-            <p:ph type="title"/>
-          </p:nvPr>
-        </p:nvSpPr>
-        <p:spPr/>
-        <p:txBody>
-          <a:bodyPr/>
-          <a:p>
-            <a:endParaRPr lang="en-US"/>
-          </a:p>
-        </p:txBody>
-      </p:sp>
-      <p:sp>
-        <p:nvSpPr>
-          <p:cNvPr id="3" name="Content Placeholder 2"/>
-          <p:cNvSpPr>
-            <a:spLocks noGrp="1"/>
-          </p:cNvSpPr>
-          <p:nvPr>
-            <p:ph idx="1"/>
-          </p:nvPr>
-        </p:nvSpPr>
-        <p:spPr/>
-        <p:txBody>
-          <a:bodyPr/>
-          <a:p>
-            <a:r>
-              <a:rPr lang="en-US"/>
-              <a:t> Buying and selling of goods or services.</a:t>
-            </a:r>
-            <a:endParaRPr lang="en-US"/>
-          </a:p>
-        </p:txBody>
-      </p:sp>
-    </p:spTree>
-  </p:cSld>
-  <p:clrMapOvr>
-    <a:masterClrMapping/>
-  </p:clrMapOvr>
-</p:sld>
-</file>
-
-<file path=ppt/slides/slide5.xml><?xml version="1.0" encoding="utf-8"?>
-<p:sld xmlns:a="http://schemas.openxmlformats.org/drawingml/2006/main" xmlns:r="http://schemas.openxmlformats.org/officeDocument/2006/relationships" xmlns:p="http://schemas.openxmlformats.org/presentationml/2006/main">
-  <p:cSld>
-    <p:spTree>
-      <p:nvGrpSpPr>
-        <p:cNvPr id="1" name=""/>
-        <p:cNvGrpSpPr/>
-        <p:nvPr/>
-      </p:nvGrpSpPr>
-      <p:grpSpPr/>
-      <p:sp>
-        <p:nvSpPr>
-          <p:cNvPr id="2" name="Title 1"/>
-          <p:cNvSpPr>
-            <a:spLocks noGrp="1"/>
-          </p:cNvSpPr>
-          <p:nvPr>
-            <p:ph type="title"/>
-          </p:nvPr>
-        </p:nvSpPr>
-        <p:spPr/>
-        <p:txBody>
-          <a:bodyPr/>
-          <a:p>
-            <a:endParaRPr lang="en-US"/>
-          </a:p>
-        </p:txBody>
-      </p:sp>
-      <p:sp>
-        <p:nvSpPr>
-          <p:cNvPr id="3" name="Content Placeholder 2"/>
-          <p:cNvSpPr>
-            <a:spLocks noGrp="1"/>
-          </p:cNvSpPr>
-          <p:nvPr>
-            <p:ph idx="1"/>
-          </p:nvPr>
-        </p:nvSpPr>
-        <p:spPr/>
-        <p:txBody>
-          <a:bodyPr/>
-          <a:p>
-            <a:r>
-              <a:rPr lang="en-US" sz="4000">
-                <a:sym typeface="+mn-ea"/>
-              </a:rPr>
-              <a:t>People with this lead a team.</a:t>
-            </a:r>
-            <a:endParaRPr lang="en-US" sz="4000"/>
-          </a:p>
-          <a:p>
-            <a:endParaRPr lang="en-US" sz="4000"/>
-          </a:p>
-        </p:txBody>
-      </p:sp>
-    </p:spTree>
-  </p:cSld>
-  <p:clrMapOvr>
-    <a:masterClrMapping/>
-  </p:clrMapOvr>
-</p:sld>
-</file>
-
 <file path=ppt/slides/slide50.xml><?xml version="1.0" encoding="utf-8"?>
 <p:sld xmlns:a="http://schemas.openxmlformats.org/drawingml/2006/main" xmlns:r="http://schemas.openxmlformats.org/officeDocument/2006/relationships" xmlns:p="http://schemas.openxmlformats.org/presentationml/2006/main">
   <p:cSld>
@@ -21008,7 +21153,7 @@
           <a:p>
             <a:r>
               <a:rPr lang="en-US"/>
-              <a:t>Spending money to make something better.</a:t>
+              <a:t> Buying and selling of goods or services.</a:t>
             </a:r>
             <a:endParaRPr lang="en-US"/>
           </a:p>
@@ -21066,7 +21211,7 @@
           <a:p>
             <a:r>
               <a:rPr lang="en-US"/>
-              <a:t> The first step in starting a company.</a:t>
+              <a:t>Spending money to make something better.</a:t>
             </a:r>
             <a:endParaRPr lang="en-US"/>
           </a:p>
@@ -21124,7 +21269,7 @@
           <a:p>
             <a:r>
               <a:rPr lang="en-US"/>
-              <a:t>Working together to achieve the same goal.</a:t>
+              <a:t> The first step in starting a company.</a:t>
             </a:r>
             <a:endParaRPr lang="en-US"/>
           </a:p>
@@ -21182,7 +21327,7 @@
           <a:p>
             <a:r>
               <a:rPr lang="en-US"/>
-              <a:t>A written agreement between two companies.</a:t>
+              <a:t>Working together to achieve the same goal.</a:t>
             </a:r>
             <a:endParaRPr lang="en-US"/>
           </a:p>
@@ -21240,7 +21385,7 @@
           <a:p>
             <a:r>
               <a:rPr lang="en-US"/>
-              <a:t> A person who organizes resources to achieve goals.</a:t>
+              <a:t>A written agreement between two companies.</a:t>
             </a:r>
             <a:endParaRPr lang="en-US"/>
           </a:p>
@@ -21298,7 +21443,7 @@
           <a:p>
             <a:r>
               <a:rPr lang="en-US"/>
-              <a:t> A place to store products before selling them.</a:t>
+              <a:t> A person who organizes resources to achieve goals.</a:t>
             </a:r>
             <a:endParaRPr lang="en-US"/>
           </a:p>
@@ -21356,7 +21501,7 @@
           <a:p>
             <a:r>
               <a:rPr lang="en-US"/>
-              <a:t>Making sure a product meets customer needs.</a:t>
+              <a:t> A place to store products before selling them.</a:t>
             </a:r>
             <a:endParaRPr lang="en-US"/>
           </a:p>
@@ -21414,7 +21559,7 @@
           <a:p>
             <a:r>
               <a:rPr lang="en-US"/>
-              <a:t>Getting people interested in a product.</a:t>
+              <a:t>Making sure a product meets customer needs.</a:t>
             </a:r>
             <a:endParaRPr lang="en-US"/>
           </a:p>
@@ -21472,7 +21617,7 @@
           <a:p>
             <a:r>
               <a:rPr lang="en-US"/>
-              <a:t>Money that comes from investments.</a:t>
+              <a:t>Getting people interested in a product.</a:t>
             </a:r>
             <a:endParaRPr lang="en-US"/>
           </a:p>
@@ -21530,7 +21675,7 @@
           <a:p>
             <a:r>
               <a:rPr lang="en-US"/>
-              <a:t>Making a choice among several options.</a:t>
+              <a:t>Money that comes from investments.</a:t>
             </a:r>
             <a:endParaRPr lang="en-US"/>
           </a:p>
@@ -21587,14 +21732,15 @@
           <a:bodyPr/>
           <a:p>
             <a:r>
-              <a:rPr lang="en-US" sz="3600"/>
-              <a:t> </a:t>
+              <a:rPr lang="en-US" sz="4000">
+                <a:sym typeface="+mn-ea"/>
+              </a:rPr>
+              <a:t>People with this lead a team.</a:t>
             </a:r>
-            <a:r>
-              <a:rPr lang="en-US" sz="3600"/>
-              <a:t>Money earned from sales.</a:t>
-            </a:r>
-            <a:endParaRPr lang="en-US" sz="3600"/>
+            <a:endParaRPr lang="en-US" sz="4000"/>
+          </a:p>
+          <a:p>
+            <a:endParaRPr lang="en-US" sz="4000"/>
           </a:p>
         </p:txBody>
       </p:sp>
@@ -21650,7 +21796,7 @@
           <a:p>
             <a:r>
               <a:rPr lang="en-US"/>
-              <a:t>Money earned from an investment.</a:t>
+              <a:t>Making a choice among several options.</a:t>
             </a:r>
             <a:endParaRPr lang="en-US"/>
           </a:p>
@@ -21708,7 +21854,7 @@
           <a:p>
             <a:r>
               <a:rPr lang="en-US"/>
-              <a:t>Learning something to improve your skills.</a:t>
+              <a:t>Money earned from an investment.</a:t>
             </a:r>
             <a:endParaRPr lang="en-US"/>
           </a:p>
@@ -21766,7 +21912,7 @@
           <a:p>
             <a:r>
               <a:rPr lang="en-US"/>
-              <a:t> The person in charge of finances in a company.</a:t>
+              <a:t>Learning something to improve your skills.</a:t>
             </a:r>
             <a:endParaRPr lang="en-US"/>
           </a:p>
@@ -21824,7 +21970,7 @@
           <a:p>
             <a:r>
               <a:rPr lang="en-US"/>
-              <a:t>The company’s overall image or identity.</a:t>
+              <a:t> The person in charge of finances in a company.</a:t>
             </a:r>
             <a:endParaRPr lang="en-US"/>
           </a:p>
@@ -21882,7 +22028,7 @@
           <a:p>
             <a:r>
               <a:rPr lang="en-US"/>
-              <a:t>Taking products to another country.</a:t>
+              <a:t>The company’s overall image or identity.</a:t>
             </a:r>
             <a:endParaRPr lang="en-US"/>
           </a:p>
@@ -21940,7 +22086,7 @@
           <a:p>
             <a:r>
               <a:rPr lang="en-US"/>
-              <a:t>The total market value of a company's shares.</a:t>
+              <a:t>Taking products to another country.</a:t>
             </a:r>
             <a:endParaRPr lang="en-US"/>
           </a:p>
@@ -21998,7 +22144,7 @@
           <a:p>
             <a:r>
               <a:rPr lang="en-US"/>
-              <a:t>A new way of doing something.</a:t>
+              <a:t>The total market value of a company's shares.</a:t>
             </a:r>
             <a:endParaRPr lang="en-US"/>
           </a:p>
@@ -22056,7 +22202,7 @@
           <a:p>
             <a:r>
               <a:rPr lang="en-US"/>
-              <a:t>Doing something at the lowest cost possible.</a:t>
+              <a:t>A new way of doing something.</a:t>
             </a:r>
             <a:endParaRPr lang="en-US"/>
           </a:p>
@@ -22114,7 +22260,7 @@
           <a:p>
             <a:r>
               <a:rPr lang="en-US"/>
-              <a:t>Producing something in large quantities.</a:t>
+              <a:t>Doing something at the lowest cost possible.</a:t>
             </a:r>
             <a:endParaRPr lang="en-US"/>
           </a:p>
@@ -22172,7 +22318,7 @@
           <a:p>
             <a:r>
               <a:rPr lang="en-US"/>
-              <a:t>Another word for money made by the company.</a:t>
+              <a:t>Producing something in large quantities.</a:t>
             </a:r>
             <a:endParaRPr lang="en-US"/>
           </a:p>
@@ -22229,10 +22375,14 @@
           <a:bodyPr/>
           <a:p>
             <a:r>
-              <a:rPr lang="en-US"/>
-              <a:t>A group working towards a goal.</a:t>
+              <a:rPr lang="en-US" sz="3600"/>
+              <a:t> </a:t>
             </a:r>
-            <a:endParaRPr lang="en-US"/>
+            <a:r>
+              <a:rPr lang="en-US" sz="3600"/>
+              <a:t>Money earned from sales.</a:t>
+            </a:r>
+            <a:endParaRPr lang="en-US" sz="3600"/>
           </a:p>
         </p:txBody>
       </p:sp>
@@ -22288,7 +22438,7 @@
           <a:p>
             <a:r>
               <a:rPr lang="en-US"/>
-              <a:t>A company's yearly financial summary.</a:t>
+              <a:t>Another word for money made by the company.</a:t>
             </a:r>
             <a:endParaRPr lang="en-US"/>
           </a:p>
@@ -22346,7 +22496,7 @@
           <a:p>
             <a:r>
               <a:rPr lang="en-US"/>
-              <a:t>Making something different or better than competitors.</a:t>
+              <a:t>A company's yearly financial summary.</a:t>
             </a:r>
             <a:endParaRPr lang="en-US"/>
           </a:p>
@@ -22404,7 +22554,7 @@
           <a:p>
             <a:r>
               <a:rPr lang="en-US"/>
-              <a:t>Selling to people around the world.</a:t>
+              <a:t>Making something different or better than competitors.</a:t>
             </a:r>
             <a:endParaRPr lang="en-US"/>
           </a:p>
@@ -22462,7 +22612,7 @@
           <a:p>
             <a:r>
               <a:rPr lang="en-US"/>
-              <a:t>Combining two companies into one (person)</a:t>
+              <a:t>Selling to people around the world.</a:t>
             </a:r>
             <a:endParaRPr lang="en-US"/>
           </a:p>
@@ -22520,7 +22670,7 @@
           <a:p>
             <a:r>
               <a:rPr lang="en-US"/>
-              <a:t>Paying for something later.</a:t>
+              <a:t>Combining two companies into one (person)</a:t>
             </a:r>
             <a:endParaRPr lang="en-US"/>
           </a:p>
@@ -22578,7 +22728,7 @@
           <a:p>
             <a:r>
               <a:rPr lang="en-US"/>
-              <a:t>What a company owes to others.	</a:t>
+              <a:t>Paying for something later.</a:t>
             </a:r>
             <a:endParaRPr lang="en-US"/>
           </a:p>
@@ -22636,7 +22786,7 @@
           <a:p>
             <a:r>
               <a:rPr lang="en-US"/>
-              <a:t>A percentage of profit paid to shareholders.</a:t>
+              <a:t>What a company owes to others.	</a:t>
             </a:r>
             <a:endParaRPr lang="en-US"/>
           </a:p>
@@ -22694,7 +22844,7 @@
           <a:p>
             <a:r>
               <a:rPr lang="en-US"/>
-              <a:t> The amount of something a company can make.</a:t>
+              <a:t>A percentage of profit paid to shareholders.</a:t>
             </a:r>
             <a:endParaRPr lang="en-US"/>
           </a:p>
@@ -22752,7 +22902,7 @@
           <a:p>
             <a:r>
               <a:rPr lang="en-US"/>
-              <a:t>People a business wants to sell to.</a:t>
+              <a:t> The amount of something a company can make.</a:t>
             </a:r>
             <a:endParaRPr lang="en-US"/>
           </a:p>
@@ -22810,7 +22960,7 @@
           <a:p>
             <a:r>
               <a:rPr lang="en-US"/>
-              <a:t>A market where stocks are traded.</a:t>
+              <a:t>People a business wants to sell to.</a:t>
             </a:r>
             <a:endParaRPr lang="en-US"/>
           </a:p>
@@ -22868,7 +23018,7 @@
           <a:p>
             <a:r>
               <a:rPr lang="en-US"/>
-              <a:t>The cost of borrowing money.</a:t>
+              <a:t>A group working towards a goal.</a:t>
             </a:r>
             <a:endParaRPr lang="en-US"/>
           </a:p>
@@ -22926,7 +23076,7 @@
           <a:p>
             <a:r>
               <a:rPr lang="en-US"/>
-              <a:t>A person who controls a company's direction.</a:t>
+              <a:t>A market where stocks are traded.</a:t>
             </a:r>
             <a:endParaRPr lang="en-US"/>
           </a:p>
@@ -22984,7 +23134,7 @@
           <a:p>
             <a:r>
               <a:rPr lang="en-US"/>
-              <a:t>Organizing people in the right roles.</a:t>
+              <a:t>A person who controls a company's direction.</a:t>
             </a:r>
             <a:endParaRPr lang="en-US"/>
           </a:p>
@@ -23042,7 +23192,7 @@
           <a:p>
             <a:r>
               <a:rPr lang="en-US"/>
-              <a:t> A description of what a company wants to achieve.</a:t>
+              <a:t>Organizing people in the right roles.</a:t>
             </a:r>
             <a:endParaRPr lang="en-US"/>
           </a:p>
@@ -23100,7 +23250,7 @@
           <a:p>
             <a:r>
               <a:rPr lang="en-US"/>
-              <a:t>Money that is set aside for emergencies.</a:t>
+              <a:t> A description of what a company wants to achieve.</a:t>
             </a:r>
             <a:endParaRPr lang="en-US"/>
           </a:p>
@@ -23158,7 +23308,7 @@
           <a:p>
             <a:r>
               <a:rPr lang="en-US"/>
-              <a:t>Selling part of a company to the public.</a:t>
+              <a:t>Money that is set aside for emergencies.</a:t>
             </a:r>
             <a:endParaRPr lang="en-US"/>
           </a:p>
@@ -23216,7 +23366,7 @@
           <a:p>
             <a:r>
               <a:rPr lang="en-US"/>
-              <a:t>A business that operates only on the internet.</a:t>
+              <a:t>Selling part of a company to the public.</a:t>
             </a:r>
             <a:endParaRPr lang="en-US"/>
           </a:p>
@@ -23274,7 +23424,7 @@
           <a:p>
             <a:r>
               <a:rPr lang="en-US"/>
-              <a:t>Getting resources from outside the company.</a:t>
+              <a:t>A business that operates only on the internet.</a:t>
             </a:r>
             <a:endParaRPr lang="en-US"/>
           </a:p>
@@ -23332,7 +23482,7 @@
           <a:p>
             <a:r>
               <a:rPr lang="en-US"/>
-              <a:t>Money spent on a company's day-to-day activities.	</a:t>
+              <a:t>Getting resources from outside the company.</a:t>
             </a:r>
             <a:endParaRPr lang="en-US"/>
           </a:p>
@@ -23390,7 +23540,7 @@
           <a:p>
             <a:r>
               <a:rPr lang="en-US"/>
-              <a:t> The measure of how well a company does.</a:t>
+              <a:t>Money spent on a company's day-to-day activities.	</a:t>
             </a:r>
             <a:endParaRPr lang="en-US"/>
           </a:p>
@@ -23448,7 +23598,7 @@
           <a:p>
             <a:r>
               <a:rPr lang="en-US"/>
-              <a:t> The rules and regulations a company follows.</a:t>
+              <a:t> The measure of how well a company does.</a:t>
             </a:r>
             <a:endParaRPr lang="en-US"/>
           </a:p>
@@ -23506,7 +23656,7 @@
           <a:p>
             <a:r>
               <a:rPr lang="en-US"/>
-              <a:t> Making a plan for money.</a:t>
+              <a:t>The cost of borrowing money.</a:t>
             </a:r>
             <a:endParaRPr lang="en-US"/>
           </a:p>
@@ -23564,7 +23714,7 @@
           <a:p>
             <a:r>
               <a:rPr lang="en-US"/>
-              <a:t>A way to compare your business to others.</a:t>
+              <a:t> The rules and regulations a company follows.</a:t>
             </a:r>
             <a:endParaRPr lang="en-US"/>
           </a:p>
@@ -23622,7 +23772,7 @@
           <a:p>
             <a:r>
               <a:rPr lang="en-US"/>
-              <a:t>A person responsible for making sure goals are met.</a:t>
+              <a:t>A way to compare your business to others.</a:t>
             </a:r>
             <a:endParaRPr lang="en-US"/>
           </a:p>
@@ -23680,7 +23830,7 @@
           <a:p>
             <a:r>
               <a:rPr lang="en-US"/>
-              <a:t>Dividing people into groups based on their needs.</a:t>
+              <a:t>A person responsible for making sure goals are met.</a:t>
             </a:r>
             <a:endParaRPr lang="en-US"/>
           </a:p>
@@ -23738,7 +23888,7 @@
           <a:p>
             <a:r>
               <a:rPr lang="en-US"/>
-              <a:t> A company that runs in different countries.</a:t>
+              <a:t>Dividing people into groups based on their needs.</a:t>
             </a:r>
             <a:endParaRPr lang="en-US"/>
           </a:p>
@@ -23796,7 +23946,7 @@
           <a:p>
             <a:r>
               <a:rPr lang="en-US"/>
-              <a:t>A strategy to make a company grow.</a:t>
+              <a:t> A company that runs in different countries.</a:t>
             </a:r>
             <a:endParaRPr lang="en-US"/>
           </a:p>
@@ -23854,7 +24004,7 @@
           <a:p>
             <a:r>
               <a:rPr lang="en-US"/>
-              <a:t>A service that helps customers with issues.</a:t>
+              <a:t>A strategy to make a company grow.</a:t>
             </a:r>
             <a:endParaRPr lang="en-US"/>
           </a:p>
@@ -23912,7 +24062,7 @@
           <a:p>
             <a:r>
               <a:rPr lang="en-US"/>
-              <a:t>The practice of collecting and analyzing data.	</a:t>
+              <a:t>A service that helps customers with issues.</a:t>
             </a:r>
             <a:endParaRPr lang="en-US"/>
           </a:p>
@@ -23970,7 +24120,7 @@
           <a:p>
             <a:r>
               <a:rPr lang="en-US"/>
-              <a:t>The way in which a product is sold.</a:t>
+              <a:t>The practice of collecting and analyzing data.	</a:t>
             </a:r>
             <a:endParaRPr lang="en-US"/>
           </a:p>
@@ -24028,7 +24178,7 @@
           <a:p>
             <a:r>
               <a:rPr lang="en-US"/>
-              <a:t> A company’s commitment to protect the environment.</a:t>
+              <a:t>The way in which a product is sold.</a:t>
             </a:r>
             <a:endParaRPr lang="en-US"/>
           </a:p>
@@ -24086,7 +24236,7 @@
           <a:p>
             <a:r>
               <a:rPr lang="en-US"/>
-              <a:t> When a business stops making profits.</a:t>
+              <a:t> A company’s commitment to protect the environment.</a:t>
             </a:r>
             <a:endParaRPr lang="en-US"/>
           </a:p>

--- a/SEMESTER -5/FUNDAMENTALS OF MANAGEMENT FOR ENGINEERS MGT-132/MGT-GAME.pptx
+++ b/SEMESTER -5/FUNDAMENTALS OF MANAGEMENT FOR ENGINEERS MGT-132/MGT-GAME.pptx
@@ -18556,8 +18556,33 @@
           <a:p>
             <a:r>
               <a:rPr lang="en-US"/>
-              <a:t> The difference between revenue and costs.</a:t>
+              <a:t> The difference between revenue and costs (r - c = ?).</a:t>
             </a:r>
+            <a:endParaRPr lang="en-US"/>
+          </a:p>
+        </p:txBody>
+      </p:sp>
+      <p:sp>
+        <p:nvSpPr>
+          <p:cNvPr id="4" name="Text Box 3"/>
+          <p:cNvSpPr txBox="1"/>
+          <p:nvPr/>
+        </p:nvSpPr>
+        <p:spPr>
+          <a:xfrm>
+            <a:off x="9141460" y="1967865"/>
+            <a:ext cx="4064000" cy="368300"/>
+          </a:xfrm>
+          <a:prstGeom prst="rect">
+            <a:avLst/>
+          </a:prstGeom>
+          <a:noFill/>
+        </p:spPr>
+        <p:txBody>
+          <a:bodyPr wrap="square" rtlCol="0">
+            <a:spAutoFit/>
+          </a:bodyPr>
+          <a:p>
             <a:endParaRPr lang="en-US"/>
           </a:p>
         </p:txBody>

--- a/SEMESTER -5/FUNDAMENTALS OF MANAGEMENT FOR ENGINEERS MGT-132/MGT-GAME.pptx
+++ b/SEMESTER -5/FUNDAMENTALS OF MANAGEMENT FOR ENGINEERS MGT-132/MGT-GAME.pptx
@@ -17909,14 +17909,7 @@
           <a:p>
             <a:r>
               <a:rPr lang="en-US" b="1"/>
-              <a:t>Supervisor, Contract, Advertising, Strategy, Warehouse, Salary, Innovation, Globalization, Efficiency, Leadership, Team, Budget, Distribution, Reserve, Customer support, Collaboration,</a:t>
-            </a:r>
-            <a:endParaRPr lang="en-US" b="1"/>
-          </a:p>
-          <a:p>
-            <a:r>
-              <a:rPr lang="en-US" b="1"/>
-              <a:t> E-commerce, Market capitalization, Freelance, Target market, Return, Profit, IPO, Entrepreneur, Outsourcing, Investment, Production, Interest, Consultant, Marketing, Discount, Consumer, Brand, Decision-making, Factory, Credit, CEO, Consulting, Accounting, Client, Liability, Multinational, Planning, Data analysis, Trade, Export, Insurance, Manager, Capacity, Human resources, Balance sheet.</a:t>
+              <a:t>Team, Marketing, Production, Launch, Insurance, Client, Leadership, Promotion, Entrepreneur, Discount, Profit, Recruitment, Collaboration, Factory, Brand, Budget, Contract, Business plan, Office, Trade, E-commerce, Consulting, Salary, Multitasking, Consultant, Revenue, CEO, Budget, Upgrade, Consumer, Planning, Freelance, Innovation, Manager, Balance sheet, Shareholders, Contract, Accounting, Profit, Distribution, Service, Interest, Debt, Teamwork, Strategy, Leader, Policy, Investment, Liability, Inspection.</a:t>
             </a:r>
             <a:endParaRPr lang="en-US" b="1"/>
           </a:p>
@@ -17982,10 +17975,10 @@
           <a:bodyPr/>
           <a:p>
             <a:r>
-              <a:rPr lang="en-US" b="1"/>
-              <a:t>Service, Expansion, Shareholders, Product, Performance, Compliance, Upgrade, Vision statement, Merger, Recruitment, Multitasking, Office, Differentiation, Policy, Manufacturing, Benchmarking, Promotion, Stock exchange, Return, Loss, Innovation, Annual report, Quality control, Staffing, Multinational, Dividend, Multinational, Remote work, Expansion, Warehouse, Business plan, IPO, Risk, Factory, Branding, Efficiency, Teamwork, Strategy, Marketing, Consulting, Consumer, Investment, Contract, Outsourcing, Collaboration, Export, Planning, CEO, Insurance.</a:t>
+              <a:rPr lang="en-US" sz="2800" b="1"/>
+              <a:t>Credit, Profit, Export, Director, Capacity, Warehouse, Innovation, Annual report, Return, Merger, Compliance, Dividend, Performance, Stock exchange, Decision-making, Outsourcing, Supervisor, Human resources, Operating cost, Training, Market capitalization, Reserve, Benchmarking, Online business, Multinational, Sustainability, Vision statement, Staffing, Customer support, Globalization, Distribution channel, Segmentation, Manufacturing, Head, Quality control, Mission statement, Data analysis, Remote work, Loss, Differentiation, Target market, Advertising, CEO, Efficiency, Expansion, Brand, IPO, Debt, Mass production.</a:t>
             </a:r>
-            <a:endParaRPr lang="en-US" b="1"/>
+            <a:endParaRPr lang="en-US" sz="2800" b="1"/>
           </a:p>
         </p:txBody>
       </p:sp>
